--- a/Mastering Supabase Session8.pptx
+++ b/Mastering Supabase Session8.pptx
@@ -14,23 +14,23 @@
     <p:sldId id="258" r:id="rId7"/>
     <p:sldId id="260" r:id="rId8"/>
     <p:sldId id="505" r:id="rId9"/>
-    <p:sldId id="531" r:id="rId10"/>
-    <p:sldId id="532" r:id="rId11"/>
-    <p:sldId id="533" r:id="rId12"/>
-    <p:sldId id="261" r:id="rId13"/>
-    <p:sldId id="351" r:id="rId14"/>
-    <p:sldId id="352" r:id="rId15"/>
-    <p:sldId id="459" r:id="rId16"/>
+    <p:sldId id="306" r:id="rId10"/>
+    <p:sldId id="261" r:id="rId11"/>
+    <p:sldId id="506" r:id="rId12"/>
+    <p:sldId id="351" r:id="rId13"/>
+    <p:sldId id="352" r:id="rId14"/>
+    <p:sldId id="459" r:id="rId15"/>
+    <p:sldId id="480" r:id="rId16"/>
     <p:sldId id="481" r:id="rId17"/>
-    <p:sldId id="534" r:id="rId18"/>
-    <p:sldId id="535" r:id="rId19"/>
-    <p:sldId id="536" r:id="rId20"/>
-    <p:sldId id="361" r:id="rId21"/>
-    <p:sldId id="362" r:id="rId22"/>
-    <p:sldId id="507" r:id="rId23"/>
-    <p:sldId id="508" r:id="rId24"/>
-    <p:sldId id="445" r:id="rId25"/>
-    <p:sldId id="484" r:id="rId26"/>
+    <p:sldId id="361" r:id="rId18"/>
+    <p:sldId id="362" r:id="rId19"/>
+    <p:sldId id="507" r:id="rId20"/>
+    <p:sldId id="508" r:id="rId21"/>
+    <p:sldId id="445" r:id="rId22"/>
+    <p:sldId id="484" r:id="rId23"/>
+    <p:sldId id="485" r:id="rId24"/>
+    <p:sldId id="509" r:id="rId25"/>
+    <p:sldId id="461" r:id="rId26"/>
     <p:sldId id="394" r:id="rId27"/>
     <p:sldId id="395" r:id="rId28"/>
     <p:sldId id="402" r:id="rId29"/>
@@ -298,12 +298,12 @@
   <p:extLst>
     <p:ext uri="{EFAFB233-063F-42B5-8137-9DF3F51BA10A}">
       <p15:sldGuideLst xmlns:p15="http://schemas.microsoft.com/office/powerpoint/2012/main">
-        <p15:guide id="1" orient="horz" pos="2144" userDrawn="1">
+        <p15:guide id="1" orient="horz" pos="2125" userDrawn="1">
           <p15:clr>
             <a:srgbClr val="A4A3A4"/>
           </p15:clr>
         </p15:guide>
-        <p15:guide id="2" pos="3840" userDrawn="1">
+        <p15:guide id="2" pos="3868" userDrawn="1">
           <p15:clr>
             <a:srgbClr val="A4A3A4"/>
           </p15:clr>
@@ -853,7 +853,7 @@
   <p:cSld>
     <p:spTree>
       <p:nvGrpSpPr>
-        <p:cNvPr id="165" name="Shape 165"/>
+        <p:cNvPr id="157" name="Shape 157"/>
         <p:cNvGrpSpPr/>
         <p:nvPr/>
       </p:nvGrpSpPr>
@@ -867,7 +867,7 @@
       </p:grpSpPr>
       <p:sp>
         <p:nvSpPr>
-          <p:cNvPr id="166" name="Google Shape;166;ga073618e60_0_63:notes"/>
+          <p:cNvPr id="158" name="Google Shape;158;ga073618e60_0_31:notes"/>
           <p:cNvSpPr/>
           <p:nvPr>
             <p:ph type="sldImg" idx="2"/>
@@ -906,7 +906,7 @@
       </p:sp>
       <p:sp>
         <p:nvSpPr>
-          <p:cNvPr id="167" name="Google Shape;167;ga073618e60_0_63:notes"/>
+          <p:cNvPr id="159" name="Google Shape;159;ga073618e60_0_31:notes"/>
           <p:cNvSpPr txBox="1"/>
           <p:nvPr>
             <p:ph type="body" idx="1"/>
@@ -1150,7 +1150,7 @@
   <p:cSld>
     <p:spTree>
       <p:nvGrpSpPr>
-        <p:cNvPr id="157" name="Shape 157"/>
+        <p:cNvPr id="172" name="Shape 172"/>
         <p:cNvGrpSpPr/>
         <p:nvPr/>
       </p:nvGrpSpPr>
@@ -1164,7 +1164,7 @@
       </p:grpSpPr>
       <p:sp>
         <p:nvSpPr>
-          <p:cNvPr id="158" name="Google Shape;158;ga073618e60_0_31:notes"/>
+          <p:cNvPr id="173" name="Google Shape;173;g111c3728c19_0_108:notes"/>
           <p:cNvSpPr/>
           <p:nvPr>
             <p:ph type="sldImg" idx="2"/>
@@ -1203,7 +1203,7 @@
       </p:sp>
       <p:sp>
         <p:nvSpPr>
-          <p:cNvPr id="159" name="Google Shape;159;ga073618e60_0_31:notes"/>
+          <p:cNvPr id="174" name="Google Shape;174;g111c3728c19_0_108:notes"/>
           <p:cNvSpPr txBox="1"/>
           <p:nvPr>
             <p:ph type="body" idx="1"/>
@@ -1249,7 +1249,7 @@
   <p:cSld>
     <p:spTree>
       <p:nvGrpSpPr>
-        <p:cNvPr id="172" name="Shape 172"/>
+        <p:cNvPr id="182" name="Shape 182"/>
         <p:cNvGrpSpPr/>
         <p:nvPr/>
       </p:nvGrpSpPr>
@@ -1263,7 +1263,7 @@
       </p:grpSpPr>
       <p:sp>
         <p:nvSpPr>
-          <p:cNvPr id="173" name="Google Shape;173;g111c3728c19_0_108:notes"/>
+          <p:cNvPr id="183" name="Google Shape;183;ga073618e60_0_80:notes"/>
           <p:cNvSpPr/>
           <p:nvPr>
             <p:ph type="sldImg" idx="2"/>
@@ -1302,7 +1302,7 @@
       </p:sp>
       <p:sp>
         <p:nvSpPr>
-          <p:cNvPr id="174" name="Google Shape;174;g111c3728c19_0_108:notes"/>
+          <p:cNvPr id="184" name="Google Shape;184;ga073618e60_0_80:notes"/>
           <p:cNvSpPr txBox="1"/>
           <p:nvPr>
             <p:ph type="body" idx="1"/>
@@ -1348,7 +1348,7 @@
   <p:cSld>
     <p:spTree>
       <p:nvGrpSpPr>
-        <p:cNvPr id="182" name="Shape 182"/>
+        <p:cNvPr id="269" name="Shape 269"/>
         <p:cNvGrpSpPr/>
         <p:nvPr/>
       </p:nvGrpSpPr>
@@ -1362,7 +1362,7 @@
       </p:grpSpPr>
       <p:sp>
         <p:nvSpPr>
-          <p:cNvPr id="183" name="Google Shape;183;ga073618e60_0_80:notes"/>
+          <p:cNvPr id="270" name="Google Shape;270;ga073618e60_0_92:notes"/>
           <p:cNvSpPr/>
           <p:nvPr>
             <p:ph type="sldImg" idx="2"/>
@@ -1401,7 +1401,7 @@
       </p:sp>
       <p:sp>
         <p:nvSpPr>
-          <p:cNvPr id="184" name="Google Shape;184;ga073618e60_0_80:notes"/>
+          <p:cNvPr id="271" name="Google Shape;271;ga073618e60_0_92:notes"/>
           <p:cNvSpPr txBox="1"/>
           <p:nvPr>
             <p:ph type="body" idx="1"/>
@@ -1443,105 +1443,6 @@
 </file>
 
 <file path=ppt/notesSlides/notesSlide16.xml><?xml version="1.0" encoding="utf-8"?>
-<p:notes xmlns:a="http://schemas.openxmlformats.org/drawingml/2006/main" xmlns:r="http://schemas.openxmlformats.org/officeDocument/2006/relationships" xmlns:p="http://schemas.openxmlformats.org/presentationml/2006/main" showMasterPhAnim="0" showMasterSp="0">
-  <p:cSld>
-    <p:spTree>
-      <p:nvGrpSpPr>
-        <p:cNvPr id="269" name="Shape 269"/>
-        <p:cNvGrpSpPr/>
-        <p:nvPr/>
-      </p:nvGrpSpPr>
-      <p:grpSpPr>
-        <a:xfrm>
-          <a:off x="0" y="0"/>
-          <a:ext cx="0" cy="0"/>
-          <a:chOff x="0" y="0"/>
-          <a:chExt cx="0" cy="0"/>
-        </a:xfrm>
-      </p:grpSpPr>
-      <p:sp>
-        <p:nvSpPr>
-          <p:cNvPr id="270" name="Google Shape;270;ga073618e60_0_92:notes"/>
-          <p:cNvSpPr/>
-          <p:nvPr>
-            <p:ph type="sldImg" idx="2"/>
-          </p:nvPr>
-        </p:nvSpPr>
-        <p:spPr>
-          <a:xfrm>
-            <a:off x="381300" y="685800"/>
-            <a:ext cx="6096000" cy="3429000"/>
-          </a:xfrm>
-          <a:custGeom>
-            <a:avLst/>
-            <a:gdLst/>
-            <a:ahLst/>
-            <a:cxnLst/>
-            <a:rect l="l" t="t" r="r" b="b"/>
-            <a:pathLst>
-              <a:path w="120000" h="120000" extrusionOk="0">
-                <a:moveTo>
-                  <a:pt x="0" y="0"/>
-                </a:moveTo>
-                <a:lnTo>
-                  <a:pt x="120000" y="0"/>
-                </a:lnTo>
-                <a:lnTo>
-                  <a:pt x="120000" y="120000"/>
-                </a:lnTo>
-                <a:lnTo>
-                  <a:pt x="0" y="120000"/>
-                </a:lnTo>
-                <a:close/>
-              </a:path>
-            </a:pathLst>
-          </a:custGeom>
-        </p:spPr>
-      </p:sp>
-      <p:sp>
-        <p:nvSpPr>
-          <p:cNvPr id="271" name="Google Shape;271;ga073618e60_0_92:notes"/>
-          <p:cNvSpPr txBox="1"/>
-          <p:nvPr>
-            <p:ph type="body" idx="1"/>
-          </p:nvPr>
-        </p:nvSpPr>
-        <p:spPr>
-          <a:xfrm>
-            <a:off x="685800" y="4343400"/>
-            <a:ext cx="5486400" cy="4114800"/>
-          </a:xfrm>
-          <a:prstGeom prst="rect">
-            <a:avLst/>
-          </a:prstGeom>
-        </p:spPr>
-        <p:txBody>
-          <a:bodyPr spcFirstLastPara="1" wrap="square" lIns="91425" tIns="91425" rIns="91425" bIns="91425" anchor="t" anchorCtr="0">
-            <a:noAutofit/>
-          </a:bodyPr>
-          <a:lstStyle/>
-          <a:p>
-            <a:pPr marL="0" lvl="0" indent="0" algn="l" rtl="0">
-              <a:spcBef>
-                <a:spcPts val="0"/>
-              </a:spcBef>
-              <a:spcAft>
-                <a:spcPts val="0"/>
-              </a:spcAft>
-              <a:buNone/>
-            </a:pPr>
-          </a:p>
-        </p:txBody>
-      </p:sp>
-    </p:spTree>
-  </p:cSld>
-  <p:clrMapOvr>
-    <a:masterClrMapping/>
-  </p:clrMapOvr>
-</p:notes>
-</file>
-
-<file path=ppt/notesSlides/notesSlide17.xml><?xml version="1.0" encoding="utf-8"?>
 <p:notes xmlns:a="http://schemas.openxmlformats.org/drawingml/2006/main" xmlns:r="http://schemas.openxmlformats.org/officeDocument/2006/relationships" xmlns:p="http://schemas.openxmlformats.org/presentationml/2006/main" showMasterPhAnim="0" showMasterSp="0">
   <p:cSld>
     <p:spTree>
@@ -15727,7 +15628,7 @@
               <a:t>: </a:t>
             </a:r>
             <a:r>
-              <a:t>Integrating Supabase Storage</a:t>
+              <a:t>Storage with Supabase</a:t>
             </a:r>
           </a:p>
         </p:txBody>
@@ -15813,426 +15714,6 @@
   <p:cSld>
     <p:spTree>
       <p:nvGrpSpPr>
-        <p:cNvPr id="168" name="Shape 168"/>
-        <p:cNvGrpSpPr/>
-        <p:nvPr/>
-      </p:nvGrpSpPr>
-      <p:grpSpPr>
-        <a:xfrm>
-          <a:off x="0" y="0"/>
-          <a:ext cx="0" cy="0"/>
-          <a:chOff x="0" y="0"/>
-          <a:chExt cx="0" cy="0"/>
-        </a:xfrm>
-      </p:grpSpPr>
-      <p:sp>
-        <p:nvSpPr>
-          <p:cNvPr id="169" name="Google Shape;169;p22"/>
-          <p:cNvSpPr/>
-          <p:nvPr/>
-        </p:nvSpPr>
-        <p:spPr>
-          <a:xfrm>
-            <a:off x="1110375" y="1307738"/>
-            <a:ext cx="1262400" cy="1262400"/>
-          </a:xfrm>
-          <a:prstGeom prst="ellipse">
-            <a:avLst/>
-          </a:prstGeom>
-          <a:gradFill>
-            <a:gsLst>
-              <a:gs pos="0">
-                <a:schemeClr val="accent1"/>
-              </a:gs>
-              <a:gs pos="52999">
-                <a:schemeClr val="accent1"/>
-              </a:gs>
-              <a:gs pos="100000">
-                <a:srgbClr val="FFFFFF">
-                  <a:alpha val="1960"/>
-                </a:srgbClr>
-              </a:gs>
-            </a:gsLst>
-            <a:path path="circle">
-              <a:fillToRect l="50000" t="50000" r="50000" b="50000"/>
-            </a:path>
-            <a:tileRect/>
-          </a:gradFill>
-          <a:ln>
-            <a:noFill/>
-          </a:ln>
-        </p:spPr>
-        <p:txBody>
-          <a:bodyPr spcFirstLastPara="1" wrap="square" lIns="91425" tIns="91425" rIns="91425" bIns="91425" anchor="ctr" anchorCtr="0">
-            <a:noAutofit/>
-          </a:bodyPr>
-          <a:lstStyle/>
-          <a:p>
-            <a:pPr marL="0" marR="0" lvl="0" indent="0" algn="ctr" rtl="0">
-              <a:lnSpc>
-                <a:spcPct val="100000"/>
-              </a:lnSpc>
-              <a:spcBef>
-                <a:spcPts val="0"/>
-              </a:spcBef>
-              <a:spcAft>
-                <a:spcPts val="0"/>
-              </a:spcAft>
-              <a:buNone/>
-            </a:pPr>
-            <a:endParaRPr>
-              <a:latin typeface="Antic Slab"/>
-              <a:ea typeface="Antic Slab"/>
-              <a:cs typeface="Antic Slab"/>
-              <a:sym typeface="Antic Slab"/>
-            </a:endParaRPr>
-          </a:p>
-        </p:txBody>
-      </p:sp>
-      <p:sp>
-        <p:nvSpPr>
-          <p:cNvPr id="136" name="Google Shape;136;p19"/>
-          <p:cNvSpPr/>
-          <p:nvPr>
-            <p:custDataLst>
-              <p:tags r:id="rId1"/>
-            </p:custDataLst>
-          </p:nvPr>
-        </p:nvSpPr>
-        <p:spPr>
-          <a:xfrm>
-            <a:off x="1110585" y="1307323"/>
-            <a:ext cx="1262400" cy="1262400"/>
-          </a:xfrm>
-          <a:prstGeom prst="ellipse">
-            <a:avLst/>
-          </a:prstGeom>
-          <a:gradFill>
-            <a:gsLst>
-              <a:gs pos="0">
-                <a:srgbClr val="30C088"/>
-              </a:gs>
-              <a:gs pos="52999">
-                <a:srgbClr val="3FCF99"/>
-              </a:gs>
-              <a:gs pos="100000">
-                <a:srgbClr val="FFFFFF">
-                  <a:alpha val="1960"/>
-                </a:srgbClr>
-              </a:gs>
-            </a:gsLst>
-            <a:path path="circle">
-              <a:fillToRect l="50000" t="50000" r="50000" b="50000"/>
-            </a:path>
-            <a:tileRect/>
-          </a:gradFill>
-          <a:ln>
-            <a:noFill/>
-          </a:ln>
-        </p:spPr>
-        <p:txBody>
-          <a:bodyPr spcFirstLastPara="1" wrap="square" lIns="91425" tIns="91425" rIns="91425" bIns="91425" anchor="ctr" anchorCtr="0">
-            <a:noAutofit/>
-          </a:bodyPr>
-          <a:p>
-            <a:pPr marL="0" marR="0" lvl="0" indent="0" algn="ctr" rtl="0">
-              <a:lnSpc>
-                <a:spcPct val="100000"/>
-              </a:lnSpc>
-              <a:spcBef>
-                <a:spcPts val="0"/>
-              </a:spcBef>
-              <a:spcAft>
-                <a:spcPts val="0"/>
-              </a:spcAft>
-              <a:buNone/>
-            </a:pPr>
-            <a:endParaRPr>
-              <a:latin typeface="Antic Slab"/>
-              <a:ea typeface="Antic Slab"/>
-              <a:cs typeface="Antic Slab"/>
-              <a:sym typeface="Antic Slab"/>
-            </a:endParaRPr>
-          </a:p>
-        </p:txBody>
-      </p:sp>
-      <p:sp>
-        <p:nvSpPr>
-          <p:cNvPr id="170" name="Google Shape;170;p22"/>
-          <p:cNvSpPr txBox="1"/>
-          <p:nvPr>
-            <p:ph type="title"/>
-          </p:nvPr>
-        </p:nvSpPr>
-        <p:spPr>
-          <a:xfrm>
-            <a:off x="1401625" y="1741250"/>
-            <a:ext cx="8284500" cy="763500"/>
-          </a:xfrm>
-          <a:prstGeom prst="rect">
-            <a:avLst/>
-          </a:prstGeom>
-        </p:spPr>
-        <p:txBody>
-          <a:bodyPr spcFirstLastPara="1" wrap="square" lIns="121900" tIns="121900" rIns="121900" bIns="121900" anchor="ctr" anchorCtr="0">
-            <a:noAutofit/>
-          </a:bodyPr>
-          <a:lstStyle/>
-          <a:p>
-            <a:pPr marL="0" lvl="0" indent="0" algn="l" rtl="0">
-              <a:spcBef>
-                <a:spcPts val="0"/>
-              </a:spcBef>
-              <a:spcAft>
-                <a:spcPts val="0"/>
-              </a:spcAft>
-              <a:buNone/>
-            </a:pPr>
-            <a:r>
-              <a:rPr>
-                <a:sym typeface="+mn-ea"/>
-              </a:rPr>
-              <a:t>Downloading Files from Supabase Storage</a:t>
-            </a:r>
-            <a:endParaRPr>
-              <a:sym typeface="+mn-ea"/>
-            </a:endParaRPr>
-          </a:p>
-        </p:txBody>
-      </p:sp>
-      <p:sp>
-        <p:nvSpPr>
-          <p:cNvPr id="171" name="Google Shape;171;p22"/>
-          <p:cNvSpPr txBox="1"/>
-          <p:nvPr>
-            <p:ph type="body" idx="1"/>
-          </p:nvPr>
-        </p:nvSpPr>
-        <p:spPr>
-          <a:xfrm>
-            <a:off x="1401625" y="2789650"/>
-            <a:ext cx="8284500" cy="2491800"/>
-          </a:xfrm>
-          <a:prstGeom prst="rect">
-            <a:avLst/>
-          </a:prstGeom>
-        </p:spPr>
-        <p:txBody>
-          <a:bodyPr spcFirstLastPara="1" wrap="square" lIns="121900" tIns="121900" rIns="121900" bIns="121900" anchor="t" anchorCtr="0">
-            <a:noAutofit/>
-          </a:bodyPr>
-          <a:lstStyle/>
-          <a:p>
-            <a:pPr marL="342900" lvl="0" indent="-342900" algn="l" rtl="0">
-              <a:lnSpc>
-                <a:spcPct val="150000"/>
-              </a:lnSpc>
-              <a:spcBef>
-                <a:spcPts val="0"/>
-              </a:spcBef>
-              <a:spcAft>
-                <a:spcPts val="0"/>
-              </a:spcAft>
-            </a:pPr>
-            <a:r>
-              <a:rPr lang="en-US" altLang="en-GB">
-                <a:sym typeface="+mn-ea"/>
-              </a:rPr>
-              <a:t>Example: Allowing users to download files: </a:t>
-            </a:r>
-            <a:endParaRPr lang="en-US" altLang="en-GB">
-              <a:sym typeface="+mn-ea"/>
-            </a:endParaRPr>
-          </a:p>
-        </p:txBody>
-      </p:sp>
-      <p:sp>
-        <p:nvSpPr>
-          <p:cNvPr id="3" name="Text Box 2"/>
-          <p:cNvSpPr txBox="1"/>
-          <p:nvPr>
-            <p:custDataLst>
-              <p:tags r:id="rId2"/>
-            </p:custDataLst>
-          </p:nvPr>
-        </p:nvSpPr>
-        <p:spPr>
-          <a:xfrm rot="5400000">
-            <a:off x="-1236345" y="5244465"/>
-            <a:ext cx="2849880" cy="377190"/>
-          </a:xfrm>
-          <a:prstGeom prst="rect">
-            <a:avLst/>
-          </a:prstGeom>
-        </p:spPr>
-        <p:style>
-          <a:lnRef idx="2">
-            <a:schemeClr val="lt1"/>
-          </a:lnRef>
-          <a:fillRef idx="1">
-            <a:prstClr val="black"/>
-          </a:fillRef>
-          <a:effectRef idx="1">
-            <a:prstClr val="black"/>
-          </a:effectRef>
-          <a:fontRef idx="minor">
-            <a:schemeClr val="lt1"/>
-          </a:fontRef>
-        </p:style>
-        <p:txBody>
-          <a:bodyPr wrap="square" rtlCol="0">
-            <a:noAutofit/>
-          </a:bodyPr>
-          <a:p>
-            <a:pPr algn="ctr"/>
-            <a:r>
-              <a:rPr lang="en-US"/>
-              <a:t>joeshwoa.george@gmail.com</a:t>
-            </a:r>
-            <a:endParaRPr lang="en-US"/>
-          </a:p>
-        </p:txBody>
-      </p:sp>
-      <p:sp>
-        <p:nvSpPr>
-          <p:cNvPr id="6" name="Rounded Rectangle 5"/>
-          <p:cNvSpPr/>
-          <p:nvPr/>
-        </p:nvSpPr>
-        <p:spPr>
-          <a:xfrm>
-            <a:off x="2372995" y="3652520"/>
-            <a:ext cx="6908800" cy="2827655"/>
-          </a:xfrm>
-          <a:prstGeom prst="roundRect">
-            <a:avLst/>
-          </a:prstGeom>
-          <a:solidFill>
-            <a:schemeClr val="bg2"/>
-          </a:solidFill>
-          <a:ln>
-            <a:solidFill>
-              <a:schemeClr val="bg2"/>
-            </a:solidFill>
-          </a:ln>
-        </p:spPr>
-        <p:style>
-          <a:lnRef idx="2">
-            <a:schemeClr val="accent1">
-              <a:lumMod val="75000"/>
-            </a:schemeClr>
-          </a:lnRef>
-          <a:fillRef idx="1">
-            <a:schemeClr val="accent1"/>
-          </a:fillRef>
-          <a:effectRef idx="0">
-            <a:srgbClr val="FFFFFF"/>
-          </a:effectRef>
-          <a:fontRef idx="minor">
-            <a:schemeClr val="lt1"/>
-          </a:fontRef>
-        </p:style>
-        <p:txBody>
-          <a:bodyPr rtlCol="0" anchor="ctr"/>
-          <a:p>
-            <a:pPr algn="l"/>
-            <a:r>
-              <a:rPr lang="en-US"/>
-              <a:t>const { data, error } = await supabase.storage</a:t>
-            </a:r>
-            <a:endParaRPr lang="en-US"/>
-          </a:p>
-          <a:p>
-            <a:pPr algn="l"/>
-            <a:r>
-              <a:rPr lang="en-US"/>
-              <a:t>  .from('your-bucket')</a:t>
-            </a:r>
-            <a:endParaRPr lang="en-US"/>
-          </a:p>
-          <a:p>
-            <a:pPr algn="l"/>
-            <a:r>
-              <a:rPr lang="en-US"/>
-              <a:t>  .download('uploads/file.txt');</a:t>
-            </a:r>
-            <a:endParaRPr lang="en-US"/>
-          </a:p>
-          <a:p>
-            <a:pPr algn="l"/>
-            <a:endParaRPr lang="en-US"/>
-          </a:p>
-          <a:p>
-            <a:pPr algn="l"/>
-            <a:r>
-              <a:rPr lang="en-US"/>
-              <a:t>if (data) {</a:t>
-            </a:r>
-            <a:endParaRPr lang="en-US"/>
-          </a:p>
-          <a:p>
-            <a:pPr algn="l"/>
-            <a:r>
-              <a:rPr lang="en-US"/>
-              <a:t>  const url = URL.createObjectURL(data);</a:t>
-            </a:r>
-            <a:endParaRPr lang="en-US"/>
-          </a:p>
-          <a:p>
-            <a:pPr algn="l"/>
-            <a:r>
-              <a:rPr lang="en-US"/>
-              <a:t>  const a = document.createElement('a');</a:t>
-            </a:r>
-            <a:endParaRPr lang="en-US"/>
-          </a:p>
-          <a:p>
-            <a:pPr algn="l"/>
-            <a:r>
-              <a:rPr lang="en-US"/>
-              <a:t>  a.href = url;</a:t>
-            </a:r>
-            <a:endParaRPr lang="en-US"/>
-          </a:p>
-          <a:p>
-            <a:pPr algn="l"/>
-            <a:r>
-              <a:rPr lang="en-US"/>
-              <a:t>  a.download = 'file.txt';</a:t>
-            </a:r>
-            <a:endParaRPr lang="en-US"/>
-          </a:p>
-          <a:p>
-            <a:pPr algn="l"/>
-            <a:r>
-              <a:rPr lang="en-US"/>
-              <a:t>  a.click();</a:t>
-            </a:r>
-            <a:endParaRPr lang="en-US"/>
-          </a:p>
-          <a:p>
-            <a:pPr algn="l"/>
-            <a:r>
-              <a:rPr lang="en-US"/>
-              <a:t>}</a:t>
-            </a:r>
-            <a:endParaRPr lang="en-US"/>
-          </a:p>
-        </p:txBody>
-      </p:sp>
-    </p:spTree>
-  </p:cSld>
-  <p:clrMapOvr>
-    <a:masterClrMapping/>
-  </p:clrMapOvr>
-</p:sld>
-</file>
-
-<file path=ppt/slides/slide11.xml><?xml version="1.0" encoding="utf-8"?>
-<p:sld xmlns:a="http://schemas.openxmlformats.org/drawingml/2006/main" xmlns:r="http://schemas.openxmlformats.org/officeDocument/2006/relationships" xmlns:p="http://schemas.openxmlformats.org/presentationml/2006/main">
-  <p:cSld>
-    <p:spTree>
-      <p:nvGrpSpPr>
         <p:cNvPr id="160" name="Shape 160"/>
         <p:cNvGrpSpPr/>
         <p:nvPr/>
@@ -16441,7 +15922,7 @@
             </a:pPr>
             <a:r>
               <a:rPr lang="en-US" altLang="en-GB"/>
-              <a:t>Challenges with Large File Uploads</a:t>
+              <a:t>Creating a Bucket</a:t>
             </a:r>
             <a:endParaRPr lang="en-US" altLang="en-GB"/>
           </a:p>
@@ -16483,7 +15964,7 @@
               <a:rPr lang="en-US" altLang="en-GB">
                 <a:sym typeface="+mn-ea"/>
               </a:rPr>
-              <a:t>Best Practices for Managing Large Files</a:t>
+              <a:t>Uploading Files to Supabase Storage</a:t>
             </a:r>
             <a:r>
               <a:rPr lang="en-GB"/>
@@ -16620,7 +16101,7 @@
 </p:sld>
 </file>
 
-<file path=ppt/slides/slide12.xml><?xml version="1.0" encoding="utf-8"?>
+<file path=ppt/slides/slide11.xml><?xml version="1.0" encoding="utf-8"?>
 <p:sld xmlns:a="http://schemas.openxmlformats.org/drawingml/2006/main" xmlns:r="http://schemas.openxmlformats.org/officeDocument/2006/relationships" xmlns:p="http://schemas.openxmlformats.org/presentationml/2006/main">
   <p:cSld>
     <p:spTree>
@@ -16713,7 +16194,7 @@
               <a:rPr lang="en-US" altLang="en-GB">
                 <a:sym typeface="+mn-ea"/>
               </a:rPr>
-              <a:t>Challenges with Large File Uploads</a:t>
+              <a:t>Creating a Bucket</a:t>
             </a:r>
             <a:endParaRPr lang="en-US" altLang="en-GB">
               <a:sym typeface="+mn-ea"/>
@@ -16745,9 +16226,235 @@
             </a:pPr>
             <a:r>
               <a:rPr lang="en-US"/>
-              <a:t>Large files such as videos or high-resolution images can cause delays in uploading, require more storage space, and affect the overall user experience.</a:t>
+              <a:t>To store files, you first need to create a bucket in Supabase.</a:t>
             </a:r>
             <a:endParaRPr lang="en-US"/>
+          </a:p>
+          <a:p>
+            <a:pPr lvl="1">
+              <a:lnSpc>
+                <a:spcPct val="150000"/>
+              </a:lnSpc>
+            </a:pPr>
+            <a:r>
+              <a:rPr lang="en-US"/>
+              <a:t>Go to the Storage tab in your Supabase dashboard.</a:t>
+            </a:r>
+            <a:endParaRPr lang="en-US"/>
+          </a:p>
+          <a:p>
+            <a:pPr lvl="1">
+              <a:lnSpc>
+                <a:spcPct val="150000"/>
+              </a:lnSpc>
+            </a:pPr>
+            <a:r>
+              <a:rPr lang="en-US"/>
+              <a:t>Click New Bucket to create a new bucket for file storage.</a:t>
+            </a:r>
+            <a:endParaRPr lang="en-US"/>
+          </a:p>
+          <a:p>
+            <a:pPr lvl="1">
+              <a:lnSpc>
+                <a:spcPct val="150000"/>
+              </a:lnSpc>
+            </a:pPr>
+            <a:r>
+              <a:rPr lang="en-US"/>
+              <a:t>Set the bucket’s permissions (public or private).</a:t>
+            </a:r>
+            <a:endParaRPr lang="en-US"/>
+          </a:p>
+        </p:txBody>
+      </p:sp>
+      <p:sp>
+        <p:nvSpPr>
+          <p:cNvPr id="5" name="Text Box 4"/>
+          <p:cNvSpPr txBox="1"/>
+          <p:nvPr>
+            <p:custDataLst>
+              <p:tags r:id="rId2"/>
+            </p:custDataLst>
+          </p:nvPr>
+        </p:nvSpPr>
+        <p:spPr>
+          <a:xfrm rot="5400000">
+            <a:off x="-1236345" y="5244465"/>
+            <a:ext cx="2849880" cy="377190"/>
+          </a:xfrm>
+          <a:prstGeom prst="rect">
+            <a:avLst/>
+          </a:prstGeom>
+        </p:spPr>
+        <p:style>
+          <a:lnRef idx="2">
+            <a:schemeClr val="lt1"/>
+          </a:lnRef>
+          <a:fillRef idx="1">
+            <a:prstClr val="black"/>
+          </a:fillRef>
+          <a:effectRef idx="1">
+            <a:prstClr val="black"/>
+          </a:effectRef>
+          <a:fontRef idx="minor">
+            <a:schemeClr val="lt1"/>
+          </a:fontRef>
+        </p:style>
+        <p:txBody>
+          <a:bodyPr wrap="square" rtlCol="0">
+            <a:noAutofit/>
+          </a:bodyPr>
+          <a:p>
+            <a:pPr algn="ctr"/>
+            <a:r>
+              <a:rPr lang="en-US"/>
+              <a:t>joeshwoa.george@gmail.com</a:t>
+            </a:r>
+            <a:endParaRPr lang="en-US"/>
+          </a:p>
+        </p:txBody>
+      </p:sp>
+    </p:spTree>
+  </p:cSld>
+  <p:clrMapOvr>
+    <a:masterClrMapping/>
+  </p:clrMapOvr>
+</p:sld>
+</file>
+
+<file path=ppt/slides/slide12.xml><?xml version="1.0" encoding="utf-8"?>
+<p:sld xmlns:a="http://schemas.openxmlformats.org/drawingml/2006/main" xmlns:r="http://schemas.openxmlformats.org/officeDocument/2006/relationships" xmlns:p="http://schemas.openxmlformats.org/presentationml/2006/main">
+  <p:cSld>
+    <p:spTree>
+      <p:nvGrpSpPr>
+        <p:cNvPr id="1" name=""/>
+        <p:cNvGrpSpPr/>
+        <p:nvPr/>
+      </p:nvGrpSpPr>
+      <p:grpSpPr/>
+      <p:sp>
+        <p:nvSpPr>
+          <p:cNvPr id="136" name="Google Shape;136;p19"/>
+          <p:cNvSpPr/>
+          <p:nvPr>
+            <p:custDataLst>
+              <p:tags r:id="rId1"/>
+            </p:custDataLst>
+          </p:nvPr>
+        </p:nvSpPr>
+        <p:spPr>
+          <a:xfrm>
+            <a:off x="1110585" y="1307323"/>
+            <a:ext cx="1262400" cy="1262400"/>
+          </a:xfrm>
+          <a:prstGeom prst="ellipse">
+            <a:avLst/>
+          </a:prstGeom>
+          <a:gradFill>
+            <a:gsLst>
+              <a:gs pos="0">
+                <a:srgbClr val="30C088"/>
+              </a:gs>
+              <a:gs pos="52999">
+                <a:srgbClr val="3FCF99"/>
+              </a:gs>
+              <a:gs pos="100000">
+                <a:srgbClr val="FFFFFF">
+                  <a:alpha val="1960"/>
+                </a:srgbClr>
+              </a:gs>
+            </a:gsLst>
+            <a:path path="circle">
+              <a:fillToRect l="50000" t="50000" r="50000" b="50000"/>
+            </a:path>
+            <a:tileRect/>
+          </a:gradFill>
+          <a:ln>
+            <a:noFill/>
+          </a:ln>
+        </p:spPr>
+        <p:txBody>
+          <a:bodyPr spcFirstLastPara="1" wrap="square" lIns="91425" tIns="91425" rIns="91425" bIns="91425" anchor="ctr" anchorCtr="0">
+            <a:noAutofit/>
+          </a:bodyPr>
+          <a:p>
+            <a:pPr marL="0" marR="0" lvl="0" indent="0" algn="ctr" rtl="0">
+              <a:lnSpc>
+                <a:spcPct val="100000"/>
+              </a:lnSpc>
+              <a:spcBef>
+                <a:spcPts val="0"/>
+              </a:spcBef>
+              <a:spcAft>
+                <a:spcPts val="0"/>
+              </a:spcAft>
+              <a:buNone/>
+            </a:pPr>
+            <a:endParaRPr>
+              <a:latin typeface="Antic Slab"/>
+              <a:ea typeface="Antic Slab"/>
+              <a:cs typeface="Antic Slab"/>
+              <a:sym typeface="Antic Slab"/>
+            </a:endParaRPr>
+          </a:p>
+        </p:txBody>
+      </p:sp>
+      <p:sp>
+        <p:nvSpPr>
+          <p:cNvPr id="2" name="Title 1"/>
+          <p:cNvSpPr/>
+          <p:nvPr>
+            <p:ph type="title"/>
+          </p:nvPr>
+        </p:nvSpPr>
+        <p:spPr/>
+        <p:txBody>
+          <a:bodyPr/>
+          <a:p>
+            <a:r>
+              <a:rPr lang="en-US" altLang="en-GB">
+                <a:sym typeface="+mn-ea"/>
+              </a:rPr>
+              <a:t>Upload via the Supabase dashboard</a:t>
+            </a:r>
+            <a:endParaRPr lang="en-US" altLang="en-GB">
+              <a:sym typeface="+mn-ea"/>
+            </a:endParaRPr>
+          </a:p>
+        </p:txBody>
+      </p:sp>
+      <p:sp>
+        <p:nvSpPr>
+          <p:cNvPr id="3" name="Text Placeholder 2"/>
+          <p:cNvSpPr/>
+          <p:nvPr>
+            <p:ph type="body" idx="1"/>
+          </p:nvPr>
+        </p:nvSpPr>
+        <p:spPr>
+          <a:xfrm>
+            <a:off x="1401445" y="2789555"/>
+            <a:ext cx="8284210" cy="3265805"/>
+          </a:xfrm>
+        </p:spPr>
+        <p:txBody>
+          <a:bodyPr/>
+          <a:p>
+            <a:pPr>
+              <a:lnSpc>
+                <a:spcPct val="150000"/>
+              </a:lnSpc>
+            </a:pPr>
+            <a:r>
+              <a:rPr lang="en-US">
+                <a:sym typeface="+mn-ea"/>
+              </a:rPr>
+              <a:t>After creating a bucket, you can directly upload files using the dashboard interface.</a:t>
+            </a:r>
+            <a:endParaRPr lang="en-US">
+              <a:sym typeface="+mn-ea"/>
+            </a:endParaRPr>
           </a:p>
           <a:p>
             <a:pPr>
@@ -16756,9 +16463,21 @@
               </a:lnSpc>
             </a:pPr>
             <a:r>
-              <a:rPr lang="en-US"/>
-              <a:t>It’s important to handle large file uploads efficiently to ensure good performance and security.</a:t>
+              <a:rPr lang="en-US">
+                <a:sym typeface="+mn-ea"/>
+              </a:rPr>
+              <a:t>Select the newly created bucket, click Upload, and choose the files to upload.</a:t>
             </a:r>
+            <a:endParaRPr lang="en-US">
+              <a:sym typeface="+mn-ea"/>
+            </a:endParaRPr>
+          </a:p>
+          <a:p>
+            <a:pPr lvl="1">
+              <a:lnSpc>
+                <a:spcPct val="150000"/>
+              </a:lnSpc>
+            </a:pPr>
             <a:endParaRPr lang="en-US"/>
           </a:p>
         </p:txBody>
@@ -16911,7 +16630,7 @@
               <a:rPr lang="en-US" altLang="en-GB">
                 <a:sym typeface="+mn-ea"/>
               </a:rPr>
-              <a:t>Best Practices for Managing Large Files</a:t>
+              <a:t>Programmatically Uploading Files Using the Supabase SDK</a:t>
             </a:r>
             <a:endParaRPr lang="en-US" altLang="en-GB">
               <a:sym typeface="+mn-ea"/>
@@ -16945,8 +16664,48 @@
               <a:rPr lang="en-US">
                 <a:sym typeface="+mn-ea"/>
               </a:rPr>
-              <a:t>Set file size limits on both the client and server side to prevent excessively large files from being uploaded.</a:t>
+              <a:t>Supabase provides SDKs to handle file uploads programmatically. Here’s how you can upload files using JavaScript:</a:t>
             </a:r>
+            <a:endParaRPr lang="en-US">
+              <a:sym typeface="+mn-ea"/>
+            </a:endParaRPr>
+          </a:p>
+          <a:p>
+            <a:pPr>
+              <a:lnSpc>
+                <a:spcPct val="150000"/>
+              </a:lnSpc>
+            </a:pPr>
+            <a:endParaRPr lang="en-US">
+              <a:sym typeface="+mn-ea"/>
+            </a:endParaRPr>
+          </a:p>
+          <a:p>
+            <a:pPr>
+              <a:lnSpc>
+                <a:spcPct val="150000"/>
+              </a:lnSpc>
+            </a:pPr>
+            <a:endParaRPr lang="en-US">
+              <a:sym typeface="+mn-ea"/>
+            </a:endParaRPr>
+          </a:p>
+          <a:p>
+            <a:pPr>
+              <a:lnSpc>
+                <a:spcPct val="150000"/>
+              </a:lnSpc>
+            </a:pPr>
+            <a:endParaRPr lang="en-US">
+              <a:sym typeface="+mn-ea"/>
+            </a:endParaRPr>
+          </a:p>
+          <a:p>
+            <a:pPr>
+              <a:lnSpc>
+                <a:spcPct val="150000"/>
+              </a:lnSpc>
+            </a:pPr>
             <a:endParaRPr lang="en-US">
               <a:sym typeface="+mn-ea"/>
             </a:endParaRPr>
@@ -16961,7 +16720,7 @@
               <a:rPr lang="en-US">
                 <a:sym typeface="+mn-ea"/>
               </a:rPr>
-              <a:t>Example: Restrict file size on the frontend:</a:t>
+              <a:t>This code uploads the file and stores it in the specified bucket (your-bucket-name), creating a public folder if it doesn’t exist.</a:t>
             </a:r>
             <a:endParaRPr lang="en-US">
               <a:sym typeface="+mn-ea"/>
@@ -17032,8 +16791,8 @@
         </p:nvSpPr>
         <p:spPr>
           <a:xfrm>
-            <a:off x="2372995" y="4364355"/>
-            <a:ext cx="6908800" cy="2115820"/>
+            <a:off x="2372995" y="4008120"/>
+            <a:ext cx="6908800" cy="1161415"/>
           </a:xfrm>
           <a:prstGeom prst="roundRect">
             <a:avLst/>
@@ -17069,7 +16828,7 @@
             <a:pPr algn="l"/>
             <a:r>
               <a:rPr lang="en-US"/>
-              <a:t>const handleFileUpload = (event) =&gt; {</a:t>
+              <a:t>const { data, error } = await supabase.storage</a:t>
             </a:r>
             <a:endParaRPr lang="en-US"/>
           </a:p>
@@ -17077,7 +16836,7 @@
             <a:pPr algn="l"/>
             <a:r>
               <a:rPr lang="en-US"/>
-              <a:t>  const file = event.target.files[0];</a:t>
+              <a:t>  .from('your-bucket-name')</a:t>
             </a:r>
             <a:endParaRPr lang="en-US"/>
           </a:p>
@@ -17085,47 +16844,7 @@
             <a:pPr algn="l"/>
             <a:r>
               <a:rPr lang="en-US"/>
-              <a:t>  if (file.size &gt; 5 * 1024 * 1024) { // 5 MB limit</a:t>
-            </a:r>
-            <a:endParaRPr lang="en-US"/>
-          </a:p>
-          <a:p>
-            <a:pPr algn="l"/>
-            <a:r>
-              <a:rPr lang="en-US"/>
-              <a:t>    alert('File is too large!');</a:t>
-            </a:r>
-            <a:endParaRPr lang="en-US"/>
-          </a:p>
-          <a:p>
-            <a:pPr algn="l"/>
-            <a:r>
-              <a:rPr lang="en-US"/>
-              <a:t>    return;</a:t>
-            </a:r>
-            <a:endParaRPr lang="en-US"/>
-          </a:p>
-          <a:p>
-            <a:pPr algn="l"/>
-            <a:r>
-              <a:rPr lang="en-US"/>
-              <a:t>  }</a:t>
-            </a:r>
-            <a:endParaRPr lang="en-US"/>
-          </a:p>
-          <a:p>
-            <a:pPr algn="l"/>
-            <a:r>
-              <a:rPr lang="en-US"/>
-              <a:t>  // Continue with upload</a:t>
-            </a:r>
-            <a:endParaRPr lang="en-US"/>
-          </a:p>
-          <a:p>
-            <a:pPr algn="l"/>
-            <a:r>
-              <a:rPr lang="en-US"/>
-              <a:t>};</a:t>
+              <a:t>  .upload('public/avatar.png', fileInput.files[0]);</a:t>
             </a:r>
             <a:endParaRPr lang="en-US"/>
           </a:p>
@@ -17232,7 +16951,7 @@
               <a:rPr lang="en-US" altLang="en-GB">
                 <a:sym typeface="+mn-ea"/>
               </a:rPr>
-              <a:t>Chunked Uploads</a:t>
+              <a:t>File Path and Naming Conventions</a:t>
             </a:r>
             <a:endParaRPr lang="en-US" altLang="en-GB">
               <a:sym typeface="+mn-ea"/>
@@ -17266,14 +16985,14 @@
               <a:rPr lang="en-US">
                 <a:sym typeface="+mn-ea"/>
               </a:rPr>
-              <a:t>For extremely large files, consider breaking them into chunks and uploading them in pieces. This minimizes the risk of upload failures and improves stability.</a:t>
+              <a:t>When uploading files, it’s important to structure your storage logically:</a:t>
             </a:r>
             <a:endParaRPr lang="en-US">
               <a:sym typeface="+mn-ea"/>
             </a:endParaRPr>
           </a:p>
           <a:p>
-            <a:pPr>
+            <a:pPr lvl="1">
               <a:lnSpc>
                 <a:spcPct val="150000"/>
               </a:lnSpc>
@@ -17282,11 +17001,35 @@
               <a:rPr lang="en-US">
                 <a:sym typeface="+mn-ea"/>
               </a:rPr>
-              <a:t>Supabase doesn't currently support native chunked uploads, but you can implement this manually using JavaScript to split files into parts and upload each part individually.</a:t>
+              <a:t>Use folders to organize files (/public/, /users/{user_id}/avatars/, etc.).</a:t>
             </a:r>
             <a:endParaRPr lang="en-US">
               <a:sym typeface="+mn-ea"/>
             </a:endParaRPr>
+          </a:p>
+          <a:p>
+            <a:pPr lvl="1">
+              <a:lnSpc>
+                <a:spcPct val="150000"/>
+              </a:lnSpc>
+            </a:pPr>
+            <a:r>
+              <a:rPr lang="en-US">
+                <a:sym typeface="+mn-ea"/>
+              </a:rPr>
+              <a:t>Ensure you name files uniquely to avoid overwriting (consider using user IDs or timestamps).</a:t>
+            </a:r>
+            <a:endParaRPr lang="en-US">
+              <a:sym typeface="+mn-ea"/>
+            </a:endParaRPr>
+          </a:p>
+          <a:p>
+            <a:pPr lvl="1">
+              <a:lnSpc>
+                <a:spcPct val="150000"/>
+              </a:lnSpc>
+            </a:pPr>
+            <a:endParaRPr lang="en-US"/>
           </a:p>
         </p:txBody>
       </p:sp>
@@ -17350,863 +17093,6 @@
   <p:cSld>
     <p:spTree>
       <p:nvGrpSpPr>
-        <p:cNvPr id="1" name=""/>
-        <p:cNvGrpSpPr/>
-        <p:nvPr/>
-      </p:nvGrpSpPr>
-      <p:grpSpPr/>
-      <p:sp>
-        <p:nvSpPr>
-          <p:cNvPr id="136" name="Google Shape;136;p19"/>
-          <p:cNvSpPr/>
-          <p:nvPr>
-            <p:custDataLst>
-              <p:tags r:id="rId1"/>
-            </p:custDataLst>
-          </p:nvPr>
-        </p:nvSpPr>
-        <p:spPr>
-          <a:xfrm>
-            <a:off x="1110585" y="1307323"/>
-            <a:ext cx="1262400" cy="1262400"/>
-          </a:xfrm>
-          <a:prstGeom prst="ellipse">
-            <a:avLst/>
-          </a:prstGeom>
-          <a:gradFill>
-            <a:gsLst>
-              <a:gs pos="0">
-                <a:srgbClr val="30C088"/>
-              </a:gs>
-              <a:gs pos="52999">
-                <a:srgbClr val="3FCF99"/>
-              </a:gs>
-              <a:gs pos="100000">
-                <a:srgbClr val="FFFFFF">
-                  <a:alpha val="1960"/>
-                </a:srgbClr>
-              </a:gs>
-            </a:gsLst>
-            <a:path path="circle">
-              <a:fillToRect l="50000" t="50000" r="50000" b="50000"/>
-            </a:path>
-            <a:tileRect/>
-          </a:gradFill>
-          <a:ln>
-            <a:noFill/>
-          </a:ln>
-        </p:spPr>
-        <p:txBody>
-          <a:bodyPr spcFirstLastPara="1" wrap="square" lIns="91425" tIns="91425" rIns="91425" bIns="91425" anchor="ctr" anchorCtr="0">
-            <a:noAutofit/>
-          </a:bodyPr>
-          <a:p>
-            <a:pPr marL="0" marR="0" lvl="0" indent="0" algn="ctr" rtl="0">
-              <a:lnSpc>
-                <a:spcPct val="100000"/>
-              </a:lnSpc>
-              <a:spcBef>
-                <a:spcPts val="0"/>
-              </a:spcBef>
-              <a:spcAft>
-                <a:spcPts val="0"/>
-              </a:spcAft>
-              <a:buNone/>
-            </a:pPr>
-            <a:endParaRPr>
-              <a:latin typeface="Antic Slab"/>
-              <a:ea typeface="Antic Slab"/>
-              <a:cs typeface="Antic Slab"/>
-              <a:sym typeface="Antic Slab"/>
-            </a:endParaRPr>
-          </a:p>
-        </p:txBody>
-      </p:sp>
-      <p:sp>
-        <p:nvSpPr>
-          <p:cNvPr id="2" name="Title 1"/>
-          <p:cNvSpPr/>
-          <p:nvPr>
-            <p:ph type="title"/>
-          </p:nvPr>
-        </p:nvSpPr>
-        <p:spPr/>
-        <p:txBody>
-          <a:bodyPr/>
-          <a:p>
-            <a:r>
-              <a:rPr lang="en-US" altLang="en-GB">
-                <a:sym typeface="+mn-ea"/>
-              </a:rPr>
-              <a:t>Optimizing Images and Files</a:t>
-            </a:r>
-            <a:endParaRPr lang="en-US" altLang="en-GB">
-              <a:sym typeface="+mn-ea"/>
-            </a:endParaRPr>
-          </a:p>
-        </p:txBody>
-      </p:sp>
-      <p:sp>
-        <p:nvSpPr>
-          <p:cNvPr id="3" name="Text Placeholder 2"/>
-          <p:cNvSpPr/>
-          <p:nvPr>
-            <p:ph type="body" idx="1"/>
-          </p:nvPr>
-        </p:nvSpPr>
-        <p:spPr>
-          <a:xfrm>
-            <a:off x="1401445" y="2789555"/>
-            <a:ext cx="8284210" cy="3265805"/>
-          </a:xfrm>
-        </p:spPr>
-        <p:txBody>
-          <a:bodyPr/>
-          <a:p>
-            <a:pPr>
-              <a:lnSpc>
-                <a:spcPct val="150000"/>
-              </a:lnSpc>
-            </a:pPr>
-            <a:r>
-              <a:rPr lang="en-US">
-                <a:sym typeface="+mn-ea"/>
-              </a:rPr>
-              <a:t>Compress large images or files before uploading to save storage space and reduce upload time.</a:t>
-            </a:r>
-            <a:endParaRPr lang="en-US">
-              <a:sym typeface="+mn-ea"/>
-            </a:endParaRPr>
-          </a:p>
-          <a:p>
-            <a:pPr>
-              <a:lnSpc>
-                <a:spcPct val="150000"/>
-              </a:lnSpc>
-            </a:pPr>
-            <a:r>
-              <a:rPr lang="en-US">
-                <a:sym typeface="+mn-ea"/>
-              </a:rPr>
-              <a:t>Tools like ImageMagick or JavaScript libraries (e.g., sharp, imagemin) can be used to compress images.</a:t>
-            </a:r>
-            <a:endParaRPr lang="en-US">
-              <a:sym typeface="+mn-ea"/>
-            </a:endParaRPr>
-          </a:p>
-          <a:p>
-            <a:pPr>
-              <a:lnSpc>
-                <a:spcPct val="150000"/>
-              </a:lnSpc>
-            </a:pPr>
-            <a:r>
-              <a:rPr lang="en-US">
-                <a:sym typeface="+mn-ea"/>
-              </a:rPr>
-              <a:t>Example: Compress images client-side using browser image libraries: </a:t>
-            </a:r>
-            <a:endParaRPr lang="en-US">
-              <a:sym typeface="+mn-ea"/>
-            </a:endParaRPr>
-          </a:p>
-        </p:txBody>
-      </p:sp>
-      <p:sp>
-        <p:nvSpPr>
-          <p:cNvPr id="5" name="Text Box 4"/>
-          <p:cNvSpPr txBox="1"/>
-          <p:nvPr>
-            <p:custDataLst>
-              <p:tags r:id="rId2"/>
-            </p:custDataLst>
-          </p:nvPr>
-        </p:nvSpPr>
-        <p:spPr>
-          <a:xfrm rot="5400000">
-            <a:off x="-1236345" y="5244465"/>
-            <a:ext cx="2849880" cy="377190"/>
-          </a:xfrm>
-          <a:prstGeom prst="rect">
-            <a:avLst/>
-          </a:prstGeom>
-        </p:spPr>
-        <p:style>
-          <a:lnRef idx="2">
-            <a:schemeClr val="lt1"/>
-          </a:lnRef>
-          <a:fillRef idx="1">
-            <a:prstClr val="black"/>
-          </a:fillRef>
-          <a:effectRef idx="1">
-            <a:prstClr val="black"/>
-          </a:effectRef>
-          <a:fontRef idx="minor">
-            <a:schemeClr val="lt1"/>
-          </a:fontRef>
-        </p:style>
-        <p:txBody>
-          <a:bodyPr wrap="square" rtlCol="0">
-            <a:noAutofit/>
-          </a:bodyPr>
-          <a:p>
-            <a:pPr algn="ctr"/>
-            <a:r>
-              <a:rPr lang="en-US"/>
-              <a:t>joeshwoa.george@gmail.com</a:t>
-            </a:r>
-            <a:endParaRPr lang="en-US"/>
-          </a:p>
-        </p:txBody>
-      </p:sp>
-      <p:sp>
-        <p:nvSpPr>
-          <p:cNvPr id="6" name="Rounded Rectangle 5"/>
-          <p:cNvSpPr/>
-          <p:nvPr/>
-        </p:nvSpPr>
-        <p:spPr>
-          <a:xfrm>
-            <a:off x="2372995" y="5574030"/>
-            <a:ext cx="6908800" cy="661670"/>
-          </a:xfrm>
-          <a:prstGeom prst="roundRect">
-            <a:avLst/>
-          </a:prstGeom>
-          <a:solidFill>
-            <a:schemeClr val="bg2"/>
-          </a:solidFill>
-          <a:ln>
-            <a:solidFill>
-              <a:schemeClr val="bg2"/>
-            </a:solidFill>
-          </a:ln>
-        </p:spPr>
-        <p:style>
-          <a:lnRef idx="2">
-            <a:schemeClr val="accent1">
-              <a:lumMod val="75000"/>
-            </a:schemeClr>
-          </a:lnRef>
-          <a:fillRef idx="1">
-            <a:schemeClr val="accent1"/>
-          </a:fillRef>
-          <a:effectRef idx="0">
-            <a:srgbClr val="FFFFFF"/>
-          </a:effectRef>
-          <a:fontRef idx="minor">
-            <a:schemeClr val="lt1"/>
-          </a:fontRef>
-        </p:style>
-        <p:txBody>
-          <a:bodyPr rtlCol="0" anchor="ctr"/>
-          <a:p>
-            <a:pPr algn="l"/>
-            <a:r>
-              <a:rPr lang="en-US"/>
-              <a:t>const compressedFile = await compressImage(file);</a:t>
-            </a:r>
-            <a:endParaRPr lang="en-US"/>
-          </a:p>
-        </p:txBody>
-      </p:sp>
-    </p:spTree>
-  </p:cSld>
-  <p:clrMapOvr>
-    <a:masterClrMapping/>
-  </p:clrMapOvr>
-</p:sld>
-</file>
-
-<file path=ppt/slides/slide16.xml><?xml version="1.0" encoding="utf-8"?>
-<p:sld xmlns:a="http://schemas.openxmlformats.org/drawingml/2006/main" xmlns:r="http://schemas.openxmlformats.org/officeDocument/2006/relationships" xmlns:p="http://schemas.openxmlformats.org/presentationml/2006/main">
-  <p:cSld>
-    <p:spTree>
-      <p:nvGrpSpPr>
-        <p:cNvPr id="1" name=""/>
-        <p:cNvGrpSpPr/>
-        <p:nvPr/>
-      </p:nvGrpSpPr>
-      <p:grpSpPr/>
-      <p:sp>
-        <p:nvSpPr>
-          <p:cNvPr id="136" name="Google Shape;136;p19"/>
-          <p:cNvSpPr/>
-          <p:nvPr>
-            <p:custDataLst>
-              <p:tags r:id="rId1"/>
-            </p:custDataLst>
-          </p:nvPr>
-        </p:nvSpPr>
-        <p:spPr>
-          <a:xfrm>
-            <a:off x="1110585" y="1307323"/>
-            <a:ext cx="1262400" cy="1262400"/>
-          </a:xfrm>
-          <a:prstGeom prst="ellipse">
-            <a:avLst/>
-          </a:prstGeom>
-          <a:gradFill>
-            <a:gsLst>
-              <a:gs pos="0">
-                <a:srgbClr val="30C088"/>
-              </a:gs>
-              <a:gs pos="52999">
-                <a:srgbClr val="3FCF99"/>
-              </a:gs>
-              <a:gs pos="100000">
-                <a:srgbClr val="FFFFFF">
-                  <a:alpha val="1960"/>
-                </a:srgbClr>
-              </a:gs>
-            </a:gsLst>
-            <a:path path="circle">
-              <a:fillToRect l="50000" t="50000" r="50000" b="50000"/>
-            </a:path>
-            <a:tileRect/>
-          </a:gradFill>
-          <a:ln>
-            <a:noFill/>
-          </a:ln>
-        </p:spPr>
-        <p:txBody>
-          <a:bodyPr spcFirstLastPara="1" wrap="square" lIns="91425" tIns="91425" rIns="91425" bIns="91425" anchor="ctr" anchorCtr="0">
-            <a:noAutofit/>
-          </a:bodyPr>
-          <a:p>
-            <a:pPr marL="0" marR="0" lvl="0" indent="0" algn="ctr" rtl="0">
-              <a:lnSpc>
-                <a:spcPct val="100000"/>
-              </a:lnSpc>
-              <a:spcBef>
-                <a:spcPts val="0"/>
-              </a:spcBef>
-              <a:spcAft>
-                <a:spcPts val="0"/>
-              </a:spcAft>
-              <a:buNone/>
-            </a:pPr>
-            <a:endParaRPr>
-              <a:latin typeface="Antic Slab"/>
-              <a:ea typeface="Antic Slab"/>
-              <a:cs typeface="Antic Slab"/>
-              <a:sym typeface="Antic Slab"/>
-            </a:endParaRPr>
-          </a:p>
-        </p:txBody>
-      </p:sp>
-      <p:sp>
-        <p:nvSpPr>
-          <p:cNvPr id="2" name="Title 1"/>
-          <p:cNvSpPr/>
-          <p:nvPr>
-            <p:ph type="title"/>
-          </p:nvPr>
-        </p:nvSpPr>
-        <p:spPr/>
-        <p:txBody>
-          <a:bodyPr/>
-          <a:p>
-            <a:r>
-              <a:rPr lang="en-US" altLang="en-GB">
-                <a:sym typeface="+mn-ea"/>
-              </a:rPr>
-              <a:t>Optimizing Images and Files</a:t>
-            </a:r>
-            <a:endParaRPr lang="en-US" altLang="en-GB">
-              <a:sym typeface="+mn-ea"/>
-            </a:endParaRPr>
-          </a:p>
-        </p:txBody>
-      </p:sp>
-      <p:sp>
-        <p:nvSpPr>
-          <p:cNvPr id="3" name="Text Placeholder 2"/>
-          <p:cNvSpPr/>
-          <p:nvPr>
-            <p:ph type="body" idx="1"/>
-          </p:nvPr>
-        </p:nvSpPr>
-        <p:spPr>
-          <a:xfrm>
-            <a:off x="1401445" y="2789555"/>
-            <a:ext cx="8284210" cy="3265805"/>
-          </a:xfrm>
-        </p:spPr>
-        <p:txBody>
-          <a:bodyPr/>
-          <a:p>
-            <a:pPr>
-              <a:lnSpc>
-                <a:spcPct val="150000"/>
-              </a:lnSpc>
-            </a:pPr>
-            <a:r>
-              <a:rPr lang="en-US">
-                <a:sym typeface="+mn-ea"/>
-              </a:rPr>
-              <a:t>Compress large images or files before uploading to save storage space and reduce upload time.</a:t>
-            </a:r>
-            <a:endParaRPr lang="en-US">
-              <a:sym typeface="+mn-ea"/>
-            </a:endParaRPr>
-          </a:p>
-          <a:p>
-            <a:pPr>
-              <a:lnSpc>
-                <a:spcPct val="150000"/>
-              </a:lnSpc>
-            </a:pPr>
-            <a:r>
-              <a:rPr lang="en-US">
-                <a:sym typeface="+mn-ea"/>
-              </a:rPr>
-              <a:t>Tools like ImageMagick or JavaScript libraries (e.g., sharp, imagemin) can be used to compress images.</a:t>
-            </a:r>
-            <a:endParaRPr lang="en-US">
-              <a:sym typeface="+mn-ea"/>
-            </a:endParaRPr>
-          </a:p>
-          <a:p>
-            <a:pPr>
-              <a:lnSpc>
-                <a:spcPct val="150000"/>
-              </a:lnSpc>
-            </a:pPr>
-            <a:r>
-              <a:rPr lang="en-US">
-                <a:sym typeface="+mn-ea"/>
-              </a:rPr>
-              <a:t>Example: Compress images client-side using browser image libraries: </a:t>
-            </a:r>
-            <a:endParaRPr lang="en-US">
-              <a:sym typeface="+mn-ea"/>
-            </a:endParaRPr>
-          </a:p>
-        </p:txBody>
-      </p:sp>
-      <p:sp>
-        <p:nvSpPr>
-          <p:cNvPr id="5" name="Text Box 4"/>
-          <p:cNvSpPr txBox="1"/>
-          <p:nvPr>
-            <p:custDataLst>
-              <p:tags r:id="rId2"/>
-            </p:custDataLst>
-          </p:nvPr>
-        </p:nvSpPr>
-        <p:spPr>
-          <a:xfrm rot="5400000">
-            <a:off x="-1236345" y="5244465"/>
-            <a:ext cx="2849880" cy="377190"/>
-          </a:xfrm>
-          <a:prstGeom prst="rect">
-            <a:avLst/>
-          </a:prstGeom>
-        </p:spPr>
-        <p:style>
-          <a:lnRef idx="2">
-            <a:schemeClr val="lt1"/>
-          </a:lnRef>
-          <a:fillRef idx="1">
-            <a:prstClr val="black"/>
-          </a:fillRef>
-          <a:effectRef idx="1">
-            <a:prstClr val="black"/>
-          </a:effectRef>
-          <a:fontRef idx="minor">
-            <a:schemeClr val="lt1"/>
-          </a:fontRef>
-        </p:style>
-        <p:txBody>
-          <a:bodyPr wrap="square" rtlCol="0">
-            <a:noAutofit/>
-          </a:bodyPr>
-          <a:p>
-            <a:pPr algn="ctr"/>
-            <a:r>
-              <a:rPr lang="en-US"/>
-              <a:t>joeshwoa.george@gmail.com</a:t>
-            </a:r>
-            <a:endParaRPr lang="en-US"/>
-          </a:p>
-        </p:txBody>
-      </p:sp>
-      <p:sp>
-        <p:nvSpPr>
-          <p:cNvPr id="6" name="Rounded Rectangle 5"/>
-          <p:cNvSpPr/>
-          <p:nvPr/>
-        </p:nvSpPr>
-        <p:spPr>
-          <a:xfrm>
-            <a:off x="2372995" y="5574030"/>
-            <a:ext cx="6908800" cy="661670"/>
-          </a:xfrm>
-          <a:prstGeom prst="roundRect">
-            <a:avLst/>
-          </a:prstGeom>
-          <a:solidFill>
-            <a:schemeClr val="bg2"/>
-          </a:solidFill>
-          <a:ln>
-            <a:solidFill>
-              <a:schemeClr val="bg2"/>
-            </a:solidFill>
-          </a:ln>
-        </p:spPr>
-        <p:style>
-          <a:lnRef idx="2">
-            <a:schemeClr val="accent1">
-              <a:lumMod val="75000"/>
-            </a:schemeClr>
-          </a:lnRef>
-          <a:fillRef idx="1">
-            <a:schemeClr val="accent1"/>
-          </a:fillRef>
-          <a:effectRef idx="0">
-            <a:srgbClr val="FFFFFF"/>
-          </a:effectRef>
-          <a:fontRef idx="minor">
-            <a:schemeClr val="lt1"/>
-          </a:fontRef>
-        </p:style>
-        <p:txBody>
-          <a:bodyPr rtlCol="0" anchor="ctr"/>
-          <a:p>
-            <a:pPr algn="l"/>
-            <a:r>
-              <a:rPr lang="en-US"/>
-              <a:t>const compressedFile = await compressImage(file);</a:t>
-            </a:r>
-            <a:endParaRPr lang="en-US"/>
-          </a:p>
-        </p:txBody>
-      </p:sp>
-    </p:spTree>
-  </p:cSld>
-  <p:clrMapOvr>
-    <a:masterClrMapping/>
-  </p:clrMapOvr>
-</p:sld>
-</file>
-
-<file path=ppt/slides/slide17.xml><?xml version="1.0" encoding="utf-8"?>
-<p:sld xmlns:a="http://schemas.openxmlformats.org/drawingml/2006/main" xmlns:r="http://schemas.openxmlformats.org/officeDocument/2006/relationships" xmlns:p="http://schemas.openxmlformats.org/presentationml/2006/main">
-  <p:cSld>
-    <p:spTree>
-      <p:nvGrpSpPr>
-        <p:cNvPr id="1" name=""/>
-        <p:cNvGrpSpPr/>
-        <p:nvPr/>
-      </p:nvGrpSpPr>
-      <p:grpSpPr/>
-      <p:sp>
-        <p:nvSpPr>
-          <p:cNvPr id="136" name="Google Shape;136;p19"/>
-          <p:cNvSpPr/>
-          <p:nvPr>
-            <p:custDataLst>
-              <p:tags r:id="rId1"/>
-            </p:custDataLst>
-          </p:nvPr>
-        </p:nvSpPr>
-        <p:spPr>
-          <a:xfrm>
-            <a:off x="1110585" y="1307323"/>
-            <a:ext cx="1262400" cy="1262400"/>
-          </a:xfrm>
-          <a:prstGeom prst="ellipse">
-            <a:avLst/>
-          </a:prstGeom>
-          <a:gradFill>
-            <a:gsLst>
-              <a:gs pos="0">
-                <a:srgbClr val="30C088"/>
-              </a:gs>
-              <a:gs pos="52999">
-                <a:srgbClr val="3FCF99"/>
-              </a:gs>
-              <a:gs pos="100000">
-                <a:srgbClr val="FFFFFF">
-                  <a:alpha val="1960"/>
-                </a:srgbClr>
-              </a:gs>
-            </a:gsLst>
-            <a:path path="circle">
-              <a:fillToRect l="50000" t="50000" r="50000" b="50000"/>
-            </a:path>
-            <a:tileRect/>
-          </a:gradFill>
-          <a:ln>
-            <a:noFill/>
-          </a:ln>
-        </p:spPr>
-        <p:txBody>
-          <a:bodyPr spcFirstLastPara="1" wrap="square" lIns="91425" tIns="91425" rIns="91425" bIns="91425" anchor="ctr" anchorCtr="0">
-            <a:noAutofit/>
-          </a:bodyPr>
-          <a:p>
-            <a:pPr marL="0" marR="0" lvl="0" indent="0" algn="ctr" rtl="0">
-              <a:lnSpc>
-                <a:spcPct val="100000"/>
-              </a:lnSpc>
-              <a:spcBef>
-                <a:spcPts val="0"/>
-              </a:spcBef>
-              <a:spcAft>
-                <a:spcPts val="0"/>
-              </a:spcAft>
-              <a:buNone/>
-            </a:pPr>
-            <a:endParaRPr>
-              <a:latin typeface="Antic Slab"/>
-              <a:ea typeface="Antic Slab"/>
-              <a:cs typeface="Antic Slab"/>
-              <a:sym typeface="Antic Slab"/>
-            </a:endParaRPr>
-          </a:p>
-        </p:txBody>
-      </p:sp>
-      <p:sp>
-        <p:nvSpPr>
-          <p:cNvPr id="2" name="Title 1"/>
-          <p:cNvSpPr/>
-          <p:nvPr>
-            <p:ph type="title"/>
-          </p:nvPr>
-        </p:nvSpPr>
-        <p:spPr/>
-        <p:txBody>
-          <a:bodyPr/>
-          <a:p>
-            <a:r>
-              <a:rPr lang="en-US" altLang="en-GB">
-                <a:sym typeface="+mn-ea"/>
-              </a:rPr>
-              <a:t>Storing Metadata</a:t>
-            </a:r>
-            <a:endParaRPr lang="en-US" altLang="en-GB">
-              <a:sym typeface="+mn-ea"/>
-            </a:endParaRPr>
-          </a:p>
-        </p:txBody>
-      </p:sp>
-      <p:sp>
-        <p:nvSpPr>
-          <p:cNvPr id="3" name="Text Placeholder 2"/>
-          <p:cNvSpPr/>
-          <p:nvPr>
-            <p:ph type="body" idx="1"/>
-          </p:nvPr>
-        </p:nvSpPr>
-        <p:spPr>
-          <a:xfrm>
-            <a:off x="1401445" y="2789555"/>
-            <a:ext cx="8284210" cy="3265805"/>
-          </a:xfrm>
-        </p:spPr>
-        <p:txBody>
-          <a:bodyPr/>
-          <a:p>
-            <a:pPr>
-              <a:lnSpc>
-                <a:spcPct val="150000"/>
-              </a:lnSpc>
-            </a:pPr>
-            <a:r>
-              <a:rPr lang="en-US">
-                <a:sym typeface="+mn-ea"/>
-              </a:rPr>
-              <a:t>Store metadata (file size, type, upload date) in your Supabase database for each file. This helps you manage and categorize large files effectively.</a:t>
-            </a:r>
-            <a:endParaRPr lang="en-US">
-              <a:sym typeface="+mn-ea"/>
-            </a:endParaRPr>
-          </a:p>
-          <a:p>
-            <a:pPr>
-              <a:lnSpc>
-                <a:spcPct val="150000"/>
-              </a:lnSpc>
-            </a:pPr>
-            <a:r>
-              <a:rPr lang="en-US">
-                <a:sym typeface="+mn-ea"/>
-              </a:rPr>
-              <a:t>Example: Add a metadata field to your file records:</a:t>
-            </a:r>
-            <a:endParaRPr lang="en-US">
-              <a:sym typeface="+mn-ea"/>
-            </a:endParaRPr>
-          </a:p>
-        </p:txBody>
-      </p:sp>
-      <p:sp>
-        <p:nvSpPr>
-          <p:cNvPr id="5" name="Text Box 4"/>
-          <p:cNvSpPr txBox="1"/>
-          <p:nvPr>
-            <p:custDataLst>
-              <p:tags r:id="rId2"/>
-            </p:custDataLst>
-          </p:nvPr>
-        </p:nvSpPr>
-        <p:spPr>
-          <a:xfrm rot="5400000">
-            <a:off x="-1236345" y="5244465"/>
-            <a:ext cx="2849880" cy="377190"/>
-          </a:xfrm>
-          <a:prstGeom prst="rect">
-            <a:avLst/>
-          </a:prstGeom>
-        </p:spPr>
-        <p:style>
-          <a:lnRef idx="2">
-            <a:schemeClr val="lt1"/>
-          </a:lnRef>
-          <a:fillRef idx="1">
-            <a:prstClr val="black"/>
-          </a:fillRef>
-          <a:effectRef idx="1">
-            <a:prstClr val="black"/>
-          </a:effectRef>
-          <a:fontRef idx="minor">
-            <a:schemeClr val="lt1"/>
-          </a:fontRef>
-        </p:style>
-        <p:txBody>
-          <a:bodyPr wrap="square" rtlCol="0">
-            <a:noAutofit/>
-          </a:bodyPr>
-          <a:p>
-            <a:pPr algn="ctr"/>
-            <a:r>
-              <a:rPr lang="en-US"/>
-              <a:t>joeshwoa.george@gmail.com</a:t>
-            </a:r>
-            <a:endParaRPr lang="en-US"/>
-          </a:p>
-        </p:txBody>
-      </p:sp>
-      <p:sp>
-        <p:nvSpPr>
-          <p:cNvPr id="6" name="Rounded Rectangle 5"/>
-          <p:cNvSpPr/>
-          <p:nvPr/>
-        </p:nvSpPr>
-        <p:spPr>
-          <a:xfrm>
-            <a:off x="2372995" y="4773295"/>
-            <a:ext cx="6908800" cy="1868170"/>
-          </a:xfrm>
-          <a:prstGeom prst="roundRect">
-            <a:avLst/>
-          </a:prstGeom>
-          <a:solidFill>
-            <a:schemeClr val="bg2"/>
-          </a:solidFill>
-          <a:ln>
-            <a:solidFill>
-              <a:schemeClr val="bg2"/>
-            </a:solidFill>
-          </a:ln>
-        </p:spPr>
-        <p:style>
-          <a:lnRef idx="2">
-            <a:schemeClr val="accent1">
-              <a:lumMod val="75000"/>
-            </a:schemeClr>
-          </a:lnRef>
-          <a:fillRef idx="1">
-            <a:schemeClr val="accent1"/>
-          </a:fillRef>
-          <a:effectRef idx="0">
-            <a:srgbClr val="FFFFFF"/>
-          </a:effectRef>
-          <a:fontRef idx="minor">
-            <a:schemeClr val="lt1"/>
-          </a:fontRef>
-        </p:style>
-        <p:txBody>
-          <a:bodyPr rtlCol="0" anchor="ctr"/>
-          <a:p>
-            <a:pPr algn="l"/>
-            <a:r>
-              <a:rPr lang="en-US"/>
-              <a:t>const metadata = {</a:t>
-            </a:r>
-            <a:endParaRPr lang="en-US"/>
-          </a:p>
-          <a:p>
-            <a:pPr algn="l"/>
-            <a:r>
-              <a:rPr lang="en-US"/>
-              <a:t>  fileName: file.name,</a:t>
-            </a:r>
-            <a:endParaRPr lang="en-US"/>
-          </a:p>
-          <a:p>
-            <a:pPr algn="l"/>
-            <a:r>
-              <a:rPr lang="en-US"/>
-              <a:t>  fileSize: file.size,</a:t>
-            </a:r>
-            <a:endParaRPr lang="en-US"/>
-          </a:p>
-          <a:p>
-            <a:pPr algn="l"/>
-            <a:r>
-              <a:rPr lang="en-US"/>
-              <a:t>  fileType: file.type,</a:t>
-            </a:r>
-            <a:endParaRPr lang="en-US"/>
-          </a:p>
-          <a:p>
-            <a:pPr algn="l"/>
-            <a:r>
-              <a:rPr lang="en-US"/>
-              <a:t>  uploadedAt: new Date(),</a:t>
-            </a:r>
-            <a:endParaRPr lang="en-US"/>
-          </a:p>
-          <a:p>
-            <a:pPr algn="l"/>
-            <a:r>
-              <a:rPr lang="en-US"/>
-              <a:t>  </a:t>
-            </a:r>
-            <a:r>
-              <a:rPr lang="en-US">
-                <a:sym typeface="+mn-ea"/>
-              </a:rPr>
-              <a:t>usedAt: new Date(),</a:t>
-            </a:r>
-            <a:endParaRPr lang="en-US"/>
-          </a:p>
-          <a:p>
-            <a:pPr algn="l"/>
-            <a:r>
-              <a:rPr lang="en-US"/>
-              <a:t>};</a:t>
-            </a:r>
-            <a:endParaRPr lang="en-US"/>
-          </a:p>
-        </p:txBody>
-      </p:sp>
-    </p:spTree>
-  </p:cSld>
-  <p:clrMapOvr>
-    <a:masterClrMapping/>
-  </p:clrMapOvr>
-</p:sld>
-</file>
-
-<file path=ppt/slides/slide18.xml><?xml version="1.0" encoding="utf-8"?>
-<p:sld xmlns:a="http://schemas.openxmlformats.org/drawingml/2006/main" xmlns:r="http://schemas.openxmlformats.org/officeDocument/2006/relationships" xmlns:p="http://schemas.openxmlformats.org/presentationml/2006/main">
-  <p:cSld>
-    <p:spTree>
-      <p:nvGrpSpPr>
         <p:cNvPr id="160" name="Shape 160"/>
         <p:cNvGrpSpPr/>
         <p:nvPr/>
@@ -18415,7 +17301,7 @@
             </a:pPr>
             <a:r>
               <a:rPr lang="en-US" altLang="en-GB"/>
-              <a:t>Use Case: Profile Picture Management</a:t>
+              <a:t>Downloading Files</a:t>
             </a:r>
             <a:endParaRPr lang="en-US" altLang="en-GB"/>
           </a:p>
@@ -18457,7 +17343,7 @@
               <a:rPr lang="en-US" altLang="en-GB">
                 <a:sym typeface="+mn-ea"/>
               </a:rPr>
-              <a:t>Real-World Use Cases: Profile Picture Management</a:t>
+              <a:t>Downloading and Managing Files</a:t>
             </a:r>
             <a:r>
               <a:rPr lang="en-GB"/>
@@ -18594,7 +17480,7 @@
 </p:sld>
 </file>
 
-<file path=ppt/slides/slide19.xml><?xml version="1.0" encoding="utf-8"?>
+<file path=ppt/slides/slide16.xml><?xml version="1.0" encoding="utf-8"?>
 <p:sld xmlns:a="http://schemas.openxmlformats.org/drawingml/2006/main" xmlns:r="http://schemas.openxmlformats.org/officeDocument/2006/relationships" xmlns:p="http://schemas.openxmlformats.org/presentationml/2006/main">
   <p:cSld>
     <p:spTree>
@@ -18685,7 +17571,7 @@
           <a:p>
             <a:r>
               <a:rPr lang="en-US"/>
-              <a:t>Use Case: Profile Picture Management</a:t>
+              <a:t>Downloading Files</a:t>
             </a:r>
             <a:endParaRPr lang="en-US"/>
           </a:p>
@@ -18715,7 +17601,870 @@
             </a:pPr>
             <a:r>
               <a:rPr lang="en-US"/>
-              <a:t>One common real-world use case for Supabase Storage is managing profile pictures for users. Users can upload a profile picture, and it can be displayed across different parts of your application (e.g., dashboards, comments, etc.).</a:t>
+              <a:t>Once a file is uploaded, you can download it either via the dashboard or programmatically.</a:t>
+            </a:r>
+            <a:endParaRPr lang="en-US"/>
+          </a:p>
+          <a:p>
+            <a:pPr lvl="1">
+              <a:lnSpc>
+                <a:spcPct val="150000"/>
+              </a:lnSpc>
+            </a:pPr>
+            <a:r>
+              <a:rPr lang="en-US"/>
+              <a:t>Example: Downloading a file from a bucket:</a:t>
+            </a:r>
+            <a:endParaRPr lang="en-US"/>
+          </a:p>
+          <a:p>
+            <a:pPr>
+              <a:lnSpc>
+                <a:spcPct val="150000"/>
+              </a:lnSpc>
+            </a:pPr>
+            <a:endParaRPr lang="en-US"/>
+          </a:p>
+          <a:p>
+            <a:pPr>
+              <a:lnSpc>
+                <a:spcPct val="150000"/>
+              </a:lnSpc>
+            </a:pPr>
+            <a:endParaRPr lang="en-US"/>
+          </a:p>
+          <a:p>
+            <a:pPr>
+              <a:lnSpc>
+                <a:spcPct val="150000"/>
+              </a:lnSpc>
+            </a:pPr>
+            <a:endParaRPr lang="en-US"/>
+          </a:p>
+          <a:p>
+            <a:pPr>
+              <a:lnSpc>
+                <a:spcPct val="150000"/>
+              </a:lnSpc>
+            </a:pPr>
+            <a:endParaRPr lang="en-US"/>
+          </a:p>
+          <a:p>
+            <a:pPr>
+              <a:lnSpc>
+                <a:spcPct val="150000"/>
+              </a:lnSpc>
+            </a:pPr>
+            <a:r>
+              <a:rPr lang="en-US"/>
+              <a:t>The download() method retrieves the file, which you can then display or save on the user’s device.</a:t>
+            </a:r>
+            <a:endParaRPr lang="en-US"/>
+          </a:p>
+        </p:txBody>
+      </p:sp>
+      <p:sp>
+        <p:nvSpPr>
+          <p:cNvPr id="5" name="Text Box 4"/>
+          <p:cNvSpPr txBox="1"/>
+          <p:nvPr>
+            <p:custDataLst>
+              <p:tags r:id="rId2"/>
+            </p:custDataLst>
+          </p:nvPr>
+        </p:nvSpPr>
+        <p:spPr>
+          <a:xfrm rot="5400000">
+            <a:off x="-1236345" y="5244465"/>
+            <a:ext cx="2849880" cy="377190"/>
+          </a:xfrm>
+          <a:prstGeom prst="rect">
+            <a:avLst/>
+          </a:prstGeom>
+        </p:spPr>
+        <p:style>
+          <a:lnRef idx="2">
+            <a:schemeClr val="lt1"/>
+          </a:lnRef>
+          <a:fillRef idx="1">
+            <a:prstClr val="black"/>
+          </a:fillRef>
+          <a:effectRef idx="1">
+            <a:prstClr val="black"/>
+          </a:effectRef>
+          <a:fontRef idx="minor">
+            <a:schemeClr val="lt1"/>
+          </a:fontRef>
+        </p:style>
+        <p:txBody>
+          <a:bodyPr wrap="square" rtlCol="0">
+            <a:noAutofit/>
+          </a:bodyPr>
+          <a:p>
+            <a:pPr algn="ctr"/>
+            <a:r>
+              <a:rPr lang="en-US"/>
+              <a:t>joeshwoa.george@gmail.com</a:t>
+            </a:r>
+            <a:endParaRPr lang="en-US"/>
+          </a:p>
+        </p:txBody>
+      </p:sp>
+      <p:sp>
+        <p:nvSpPr>
+          <p:cNvPr id="4" name="Rounded Rectangle 3"/>
+          <p:cNvSpPr/>
+          <p:nvPr/>
+        </p:nvSpPr>
+        <p:spPr>
+          <a:xfrm>
+            <a:off x="2372995" y="4293870"/>
+            <a:ext cx="6908800" cy="1537970"/>
+          </a:xfrm>
+          <a:prstGeom prst="roundRect">
+            <a:avLst/>
+          </a:prstGeom>
+          <a:solidFill>
+            <a:schemeClr val="bg2"/>
+          </a:solidFill>
+          <a:ln>
+            <a:solidFill>
+              <a:schemeClr val="bg2"/>
+            </a:solidFill>
+          </a:ln>
+        </p:spPr>
+        <p:style>
+          <a:lnRef idx="2">
+            <a:schemeClr val="accent1">
+              <a:lumMod val="75000"/>
+            </a:schemeClr>
+          </a:lnRef>
+          <a:fillRef idx="1">
+            <a:schemeClr val="accent1"/>
+          </a:fillRef>
+          <a:effectRef idx="0">
+            <a:srgbClr val="FFFFFF"/>
+          </a:effectRef>
+          <a:fontRef idx="minor">
+            <a:schemeClr val="lt1"/>
+          </a:fontRef>
+        </p:style>
+        <p:txBody>
+          <a:bodyPr rtlCol="0" anchor="ctr"/>
+          <a:p>
+            <a:pPr algn="l"/>
+            <a:r>
+              <a:rPr lang="en-US"/>
+              <a:t>const { data, error } = supabase.storage</a:t>
+            </a:r>
+            <a:endParaRPr lang="en-US"/>
+          </a:p>
+          <a:p>
+            <a:pPr algn="l"/>
+            <a:r>
+              <a:rPr lang="en-US"/>
+              <a:t>  .from('your-bucket-name')</a:t>
+            </a:r>
+            <a:endParaRPr lang="en-US"/>
+          </a:p>
+          <a:p>
+            <a:pPr algn="l"/>
+            <a:r>
+              <a:rPr lang="en-US"/>
+              <a:t>  .download('public/avatar.png');</a:t>
+            </a:r>
+            <a:endParaRPr lang="en-US"/>
+          </a:p>
+          <a:p>
+            <a:pPr algn="l"/>
+            <a:endParaRPr lang="en-US"/>
+          </a:p>
+          <a:p>
+            <a:pPr algn="l"/>
+            <a:r>
+              <a:rPr lang="en-US"/>
+              <a:t>const url = URL.createObjectURL(data);</a:t>
+            </a:r>
+            <a:endParaRPr lang="en-US"/>
+          </a:p>
+          <a:p>
+            <a:pPr algn="l"/>
+            <a:r>
+              <a:rPr lang="en-US"/>
+              <a:t>document.getElementById('img').src = url;</a:t>
+            </a:r>
+            <a:endParaRPr lang="en-US"/>
+          </a:p>
+        </p:txBody>
+      </p:sp>
+    </p:spTree>
+  </p:cSld>
+  <p:clrMapOvr>
+    <a:masterClrMapping/>
+  </p:clrMapOvr>
+</p:sld>
+</file>
+
+<file path=ppt/slides/slide17.xml><?xml version="1.0" encoding="utf-8"?>
+<p:sld xmlns:a="http://schemas.openxmlformats.org/drawingml/2006/main" xmlns:r="http://schemas.openxmlformats.org/officeDocument/2006/relationships" xmlns:p="http://schemas.openxmlformats.org/presentationml/2006/main">
+  <p:cSld>
+    <p:spTree>
+      <p:nvGrpSpPr>
+        <p:cNvPr id="1" name=""/>
+        <p:cNvGrpSpPr/>
+        <p:nvPr/>
+      </p:nvGrpSpPr>
+      <p:grpSpPr/>
+      <p:sp>
+        <p:nvSpPr>
+          <p:cNvPr id="136" name="Google Shape;136;p19"/>
+          <p:cNvSpPr/>
+          <p:nvPr>
+            <p:custDataLst>
+              <p:tags r:id="rId1"/>
+            </p:custDataLst>
+          </p:nvPr>
+        </p:nvSpPr>
+        <p:spPr>
+          <a:xfrm>
+            <a:off x="1110585" y="1307323"/>
+            <a:ext cx="1262400" cy="1262400"/>
+          </a:xfrm>
+          <a:prstGeom prst="ellipse">
+            <a:avLst/>
+          </a:prstGeom>
+          <a:gradFill>
+            <a:gsLst>
+              <a:gs pos="0">
+                <a:srgbClr val="30C088"/>
+              </a:gs>
+              <a:gs pos="52999">
+                <a:srgbClr val="3FCF99"/>
+              </a:gs>
+              <a:gs pos="100000">
+                <a:srgbClr val="FFFFFF">
+                  <a:alpha val="1960"/>
+                </a:srgbClr>
+              </a:gs>
+            </a:gsLst>
+            <a:path path="circle">
+              <a:fillToRect l="50000" t="50000" r="50000" b="50000"/>
+            </a:path>
+            <a:tileRect/>
+          </a:gradFill>
+          <a:ln>
+            <a:noFill/>
+          </a:ln>
+        </p:spPr>
+        <p:txBody>
+          <a:bodyPr spcFirstLastPara="1" wrap="square" lIns="91425" tIns="91425" rIns="91425" bIns="91425" anchor="ctr" anchorCtr="0">
+            <a:noAutofit/>
+          </a:bodyPr>
+          <a:p>
+            <a:pPr marL="0" marR="0" lvl="0" indent="0" algn="ctr" rtl="0">
+              <a:lnSpc>
+                <a:spcPct val="100000"/>
+              </a:lnSpc>
+              <a:spcBef>
+                <a:spcPts val="0"/>
+              </a:spcBef>
+              <a:spcAft>
+                <a:spcPts val="0"/>
+              </a:spcAft>
+              <a:buNone/>
+            </a:pPr>
+            <a:endParaRPr>
+              <a:latin typeface="Antic Slab"/>
+              <a:ea typeface="Antic Slab"/>
+              <a:cs typeface="Antic Slab"/>
+              <a:sym typeface="Antic Slab"/>
+            </a:endParaRPr>
+          </a:p>
+        </p:txBody>
+      </p:sp>
+      <p:sp>
+        <p:nvSpPr>
+          <p:cNvPr id="2" name="Title 1"/>
+          <p:cNvSpPr/>
+          <p:nvPr>
+            <p:ph type="title"/>
+          </p:nvPr>
+        </p:nvSpPr>
+        <p:spPr/>
+        <p:txBody>
+          <a:bodyPr/>
+          <a:p>
+            <a:r>
+              <a:rPr lang="en-US"/>
+              <a:t>Deleting Files</a:t>
+            </a:r>
+            <a:endParaRPr lang="en-US"/>
+          </a:p>
+        </p:txBody>
+      </p:sp>
+      <p:sp>
+        <p:nvSpPr>
+          <p:cNvPr id="3" name="Text Placeholder 2"/>
+          <p:cNvSpPr/>
+          <p:nvPr>
+            <p:ph type="body" idx="1"/>
+          </p:nvPr>
+        </p:nvSpPr>
+        <p:spPr>
+          <a:xfrm>
+            <a:off x="1401445" y="2789555"/>
+            <a:ext cx="8284210" cy="3265805"/>
+          </a:xfrm>
+        </p:spPr>
+        <p:txBody>
+          <a:bodyPr/>
+          <a:p>
+            <a:pPr>
+              <a:lnSpc>
+                <a:spcPct val="150000"/>
+              </a:lnSpc>
+            </a:pPr>
+            <a:r>
+              <a:rPr lang="en-US"/>
+              <a:t>You can delete files directly from the dashboard or programmatically.</a:t>
+            </a:r>
+            <a:endParaRPr lang="en-US"/>
+          </a:p>
+          <a:p>
+            <a:pPr lvl="1">
+              <a:lnSpc>
+                <a:spcPct val="150000"/>
+              </a:lnSpc>
+            </a:pPr>
+            <a:r>
+              <a:rPr lang="en-US"/>
+              <a:t>Example: Deleting a file programmatically</a:t>
+            </a:r>
+            <a:endParaRPr lang="en-US"/>
+          </a:p>
+        </p:txBody>
+      </p:sp>
+      <p:sp>
+        <p:nvSpPr>
+          <p:cNvPr id="5" name="Text Box 4"/>
+          <p:cNvSpPr txBox="1"/>
+          <p:nvPr>
+            <p:custDataLst>
+              <p:tags r:id="rId2"/>
+            </p:custDataLst>
+          </p:nvPr>
+        </p:nvSpPr>
+        <p:spPr>
+          <a:xfrm rot="5400000">
+            <a:off x="-1236345" y="5244465"/>
+            <a:ext cx="2849880" cy="377190"/>
+          </a:xfrm>
+          <a:prstGeom prst="rect">
+            <a:avLst/>
+          </a:prstGeom>
+        </p:spPr>
+        <p:style>
+          <a:lnRef idx="2">
+            <a:schemeClr val="lt1"/>
+          </a:lnRef>
+          <a:fillRef idx="1">
+            <a:prstClr val="black"/>
+          </a:fillRef>
+          <a:effectRef idx="1">
+            <a:prstClr val="black"/>
+          </a:effectRef>
+          <a:fontRef idx="minor">
+            <a:schemeClr val="lt1"/>
+          </a:fontRef>
+        </p:style>
+        <p:txBody>
+          <a:bodyPr wrap="square" rtlCol="0">
+            <a:noAutofit/>
+          </a:bodyPr>
+          <a:p>
+            <a:pPr algn="ctr"/>
+            <a:r>
+              <a:rPr lang="en-US"/>
+              <a:t>joeshwoa.george@gmail.com</a:t>
+            </a:r>
+            <a:endParaRPr lang="en-US"/>
+          </a:p>
+        </p:txBody>
+      </p:sp>
+      <p:sp>
+        <p:nvSpPr>
+          <p:cNvPr id="4" name="Rounded Rectangle 3"/>
+          <p:cNvSpPr/>
+          <p:nvPr/>
+        </p:nvSpPr>
+        <p:spPr>
+          <a:xfrm>
+            <a:off x="2372995" y="4385310"/>
+            <a:ext cx="6908800" cy="1061720"/>
+          </a:xfrm>
+          <a:prstGeom prst="roundRect">
+            <a:avLst/>
+          </a:prstGeom>
+          <a:solidFill>
+            <a:schemeClr val="bg2"/>
+          </a:solidFill>
+          <a:ln>
+            <a:solidFill>
+              <a:schemeClr val="bg2"/>
+            </a:solidFill>
+          </a:ln>
+        </p:spPr>
+        <p:style>
+          <a:lnRef idx="2">
+            <a:schemeClr val="accent1">
+              <a:lumMod val="75000"/>
+            </a:schemeClr>
+          </a:lnRef>
+          <a:fillRef idx="1">
+            <a:schemeClr val="accent1"/>
+          </a:fillRef>
+          <a:effectRef idx="0">
+            <a:srgbClr val="FFFFFF"/>
+          </a:effectRef>
+          <a:fontRef idx="minor">
+            <a:schemeClr val="lt1"/>
+          </a:fontRef>
+        </p:style>
+        <p:txBody>
+          <a:bodyPr rtlCol="0" anchor="ctr"/>
+          <a:p>
+            <a:pPr algn="l"/>
+            <a:r>
+              <a:rPr lang="en-US"/>
+              <a:t>const { error } = await supabase.storage</a:t>
+            </a:r>
+            <a:endParaRPr lang="en-US"/>
+          </a:p>
+          <a:p>
+            <a:pPr algn="l"/>
+            <a:r>
+              <a:rPr lang="en-US"/>
+              <a:t>  .from('your-bucket-name')</a:t>
+            </a:r>
+            <a:endParaRPr lang="en-US"/>
+          </a:p>
+          <a:p>
+            <a:pPr algn="l"/>
+            <a:r>
+              <a:rPr lang="en-US"/>
+              <a:t>  .remove(['public/avatar.png']);</a:t>
+            </a:r>
+            <a:endParaRPr lang="en-US"/>
+          </a:p>
+        </p:txBody>
+      </p:sp>
+    </p:spTree>
+  </p:cSld>
+  <p:clrMapOvr>
+    <a:masterClrMapping/>
+  </p:clrMapOvr>
+</p:sld>
+</file>
+
+<file path=ppt/slides/slide18.xml><?xml version="1.0" encoding="utf-8"?>
+<p:sld xmlns:a="http://schemas.openxmlformats.org/drawingml/2006/main" xmlns:r="http://schemas.openxmlformats.org/officeDocument/2006/relationships" xmlns:p="http://schemas.openxmlformats.org/presentationml/2006/main">
+  <p:cSld>
+    <p:spTree>
+      <p:nvGrpSpPr>
+        <p:cNvPr id="1" name=""/>
+        <p:cNvGrpSpPr/>
+        <p:nvPr/>
+      </p:nvGrpSpPr>
+      <p:grpSpPr/>
+      <p:sp>
+        <p:nvSpPr>
+          <p:cNvPr id="136" name="Google Shape;136;p19"/>
+          <p:cNvSpPr/>
+          <p:nvPr>
+            <p:custDataLst>
+              <p:tags r:id="rId1"/>
+            </p:custDataLst>
+          </p:nvPr>
+        </p:nvSpPr>
+        <p:spPr>
+          <a:xfrm>
+            <a:off x="1110585" y="1307323"/>
+            <a:ext cx="1262400" cy="1262400"/>
+          </a:xfrm>
+          <a:prstGeom prst="ellipse">
+            <a:avLst/>
+          </a:prstGeom>
+          <a:gradFill>
+            <a:gsLst>
+              <a:gs pos="0">
+                <a:srgbClr val="30C088"/>
+              </a:gs>
+              <a:gs pos="52999">
+                <a:srgbClr val="3FCF99"/>
+              </a:gs>
+              <a:gs pos="100000">
+                <a:srgbClr val="FFFFFF">
+                  <a:alpha val="1960"/>
+                </a:srgbClr>
+              </a:gs>
+            </a:gsLst>
+            <a:path path="circle">
+              <a:fillToRect l="50000" t="50000" r="50000" b="50000"/>
+            </a:path>
+            <a:tileRect/>
+          </a:gradFill>
+          <a:ln>
+            <a:noFill/>
+          </a:ln>
+        </p:spPr>
+        <p:txBody>
+          <a:bodyPr spcFirstLastPara="1" wrap="square" lIns="91425" tIns="91425" rIns="91425" bIns="91425" anchor="ctr" anchorCtr="0">
+            <a:noAutofit/>
+          </a:bodyPr>
+          <a:p>
+            <a:pPr marL="0" marR="0" lvl="0" indent="0" algn="ctr" rtl="0">
+              <a:lnSpc>
+                <a:spcPct val="100000"/>
+              </a:lnSpc>
+              <a:spcBef>
+                <a:spcPts val="0"/>
+              </a:spcBef>
+              <a:spcAft>
+                <a:spcPts val="0"/>
+              </a:spcAft>
+              <a:buNone/>
+            </a:pPr>
+            <a:endParaRPr>
+              <a:latin typeface="Antic Slab"/>
+              <a:ea typeface="Antic Slab"/>
+              <a:cs typeface="Antic Slab"/>
+              <a:sym typeface="Antic Slab"/>
+            </a:endParaRPr>
+          </a:p>
+        </p:txBody>
+      </p:sp>
+      <p:sp>
+        <p:nvSpPr>
+          <p:cNvPr id="2" name="Title 1"/>
+          <p:cNvSpPr/>
+          <p:nvPr>
+            <p:ph type="title"/>
+          </p:nvPr>
+        </p:nvSpPr>
+        <p:spPr/>
+        <p:txBody>
+          <a:bodyPr/>
+          <a:p>
+            <a:r>
+              <a:rPr lang="en-US"/>
+              <a:t>Listing Files</a:t>
+            </a:r>
+            <a:endParaRPr lang="en-US"/>
+          </a:p>
+        </p:txBody>
+      </p:sp>
+      <p:sp>
+        <p:nvSpPr>
+          <p:cNvPr id="3" name="Text Placeholder 2"/>
+          <p:cNvSpPr/>
+          <p:nvPr>
+            <p:ph type="body" idx="1"/>
+          </p:nvPr>
+        </p:nvSpPr>
+        <p:spPr>
+          <a:xfrm>
+            <a:off x="1401445" y="2789555"/>
+            <a:ext cx="8284210" cy="3265805"/>
+          </a:xfrm>
+        </p:spPr>
+        <p:txBody>
+          <a:bodyPr/>
+          <a:p>
+            <a:pPr>
+              <a:lnSpc>
+                <a:spcPct val="150000"/>
+              </a:lnSpc>
+            </a:pPr>
+            <a:r>
+              <a:rPr lang="en-US"/>
+              <a:t>You can list all files within a bucket to display them on your frontend.</a:t>
+            </a:r>
+            <a:endParaRPr lang="en-US"/>
+          </a:p>
+          <a:p>
+            <a:pPr lvl="1">
+              <a:lnSpc>
+                <a:spcPct val="150000"/>
+              </a:lnSpc>
+            </a:pPr>
+            <a:r>
+              <a:rPr lang="en-US"/>
+              <a:t>Example: Listing all files in a bucket</a:t>
+            </a:r>
+            <a:endParaRPr lang="en-US"/>
+          </a:p>
+        </p:txBody>
+      </p:sp>
+      <p:sp>
+        <p:nvSpPr>
+          <p:cNvPr id="5" name="Text Box 4"/>
+          <p:cNvSpPr txBox="1"/>
+          <p:nvPr>
+            <p:custDataLst>
+              <p:tags r:id="rId2"/>
+            </p:custDataLst>
+          </p:nvPr>
+        </p:nvSpPr>
+        <p:spPr>
+          <a:xfrm rot="5400000">
+            <a:off x="-1236345" y="5244465"/>
+            <a:ext cx="2849880" cy="377190"/>
+          </a:xfrm>
+          <a:prstGeom prst="rect">
+            <a:avLst/>
+          </a:prstGeom>
+        </p:spPr>
+        <p:style>
+          <a:lnRef idx="2">
+            <a:schemeClr val="lt1"/>
+          </a:lnRef>
+          <a:fillRef idx="1">
+            <a:prstClr val="black"/>
+          </a:fillRef>
+          <a:effectRef idx="1">
+            <a:prstClr val="black"/>
+          </a:effectRef>
+          <a:fontRef idx="minor">
+            <a:schemeClr val="lt1"/>
+          </a:fontRef>
+        </p:style>
+        <p:txBody>
+          <a:bodyPr wrap="square" rtlCol="0">
+            <a:noAutofit/>
+          </a:bodyPr>
+          <a:p>
+            <a:pPr algn="ctr"/>
+            <a:r>
+              <a:rPr lang="en-US"/>
+              <a:t>joeshwoa.george@gmail.com</a:t>
+            </a:r>
+            <a:endParaRPr lang="en-US"/>
+          </a:p>
+        </p:txBody>
+      </p:sp>
+      <p:sp>
+        <p:nvSpPr>
+          <p:cNvPr id="4" name="Rounded Rectangle 3"/>
+          <p:cNvSpPr/>
+          <p:nvPr/>
+        </p:nvSpPr>
+        <p:spPr>
+          <a:xfrm>
+            <a:off x="2372995" y="4385310"/>
+            <a:ext cx="6908800" cy="1061720"/>
+          </a:xfrm>
+          <a:prstGeom prst="roundRect">
+            <a:avLst/>
+          </a:prstGeom>
+          <a:solidFill>
+            <a:schemeClr val="bg2"/>
+          </a:solidFill>
+          <a:ln>
+            <a:solidFill>
+              <a:schemeClr val="bg2"/>
+            </a:solidFill>
+          </a:ln>
+        </p:spPr>
+        <p:style>
+          <a:lnRef idx="2">
+            <a:schemeClr val="accent1">
+              <a:lumMod val="75000"/>
+            </a:schemeClr>
+          </a:lnRef>
+          <a:fillRef idx="1">
+            <a:schemeClr val="accent1"/>
+          </a:fillRef>
+          <a:effectRef idx="0">
+            <a:srgbClr val="FFFFFF"/>
+          </a:effectRef>
+          <a:fontRef idx="minor">
+            <a:schemeClr val="lt1"/>
+          </a:fontRef>
+        </p:style>
+        <p:txBody>
+          <a:bodyPr rtlCol="0" anchor="ctr"/>
+          <a:p>
+            <a:pPr algn="l"/>
+            <a:r>
+              <a:rPr lang="en-US"/>
+              <a:t>const { data, error } = await supabase.storage</a:t>
+            </a:r>
+            <a:endParaRPr lang="en-US"/>
+          </a:p>
+          <a:p>
+            <a:pPr algn="l"/>
+            <a:r>
+              <a:rPr lang="en-US"/>
+              <a:t>  .from('your-bucket-name')</a:t>
+            </a:r>
+            <a:endParaRPr lang="en-US"/>
+          </a:p>
+          <a:p>
+            <a:pPr algn="l"/>
+            <a:r>
+              <a:rPr lang="en-US"/>
+              <a:t>  .list('public/');</a:t>
+            </a:r>
+            <a:endParaRPr lang="en-US"/>
+          </a:p>
+        </p:txBody>
+      </p:sp>
+    </p:spTree>
+  </p:cSld>
+  <p:clrMapOvr>
+    <a:masterClrMapping/>
+  </p:clrMapOvr>
+</p:sld>
+</file>
+
+<file path=ppt/slides/slide19.xml><?xml version="1.0" encoding="utf-8"?>
+<p:sld xmlns:a="http://schemas.openxmlformats.org/drawingml/2006/main" xmlns:r="http://schemas.openxmlformats.org/officeDocument/2006/relationships" xmlns:p="http://schemas.openxmlformats.org/presentationml/2006/main">
+  <p:cSld>
+    <p:spTree>
+      <p:nvGrpSpPr>
+        <p:cNvPr id="1" name=""/>
+        <p:cNvGrpSpPr/>
+        <p:nvPr/>
+      </p:nvGrpSpPr>
+      <p:grpSpPr/>
+      <p:sp>
+        <p:nvSpPr>
+          <p:cNvPr id="136" name="Google Shape;136;p19"/>
+          <p:cNvSpPr/>
+          <p:nvPr>
+            <p:custDataLst>
+              <p:tags r:id="rId1"/>
+            </p:custDataLst>
+          </p:nvPr>
+        </p:nvSpPr>
+        <p:spPr>
+          <a:xfrm>
+            <a:off x="1110585" y="1307323"/>
+            <a:ext cx="1262400" cy="1262400"/>
+          </a:xfrm>
+          <a:prstGeom prst="ellipse">
+            <a:avLst/>
+          </a:prstGeom>
+          <a:gradFill>
+            <a:gsLst>
+              <a:gs pos="0">
+                <a:srgbClr val="30C088"/>
+              </a:gs>
+              <a:gs pos="52999">
+                <a:srgbClr val="3FCF99"/>
+              </a:gs>
+              <a:gs pos="100000">
+                <a:srgbClr val="FFFFFF">
+                  <a:alpha val="1960"/>
+                </a:srgbClr>
+              </a:gs>
+            </a:gsLst>
+            <a:path path="circle">
+              <a:fillToRect l="50000" t="50000" r="50000" b="50000"/>
+            </a:path>
+            <a:tileRect/>
+          </a:gradFill>
+          <a:ln>
+            <a:noFill/>
+          </a:ln>
+        </p:spPr>
+        <p:txBody>
+          <a:bodyPr spcFirstLastPara="1" wrap="square" lIns="91425" tIns="91425" rIns="91425" bIns="91425" anchor="ctr" anchorCtr="0">
+            <a:noAutofit/>
+          </a:bodyPr>
+          <a:p>
+            <a:pPr marL="0" marR="0" lvl="0" indent="0" algn="ctr" rtl="0">
+              <a:lnSpc>
+                <a:spcPct val="100000"/>
+              </a:lnSpc>
+              <a:spcBef>
+                <a:spcPts val="0"/>
+              </a:spcBef>
+              <a:spcAft>
+                <a:spcPts val="0"/>
+              </a:spcAft>
+              <a:buNone/>
+            </a:pPr>
+            <a:endParaRPr>
+              <a:latin typeface="Antic Slab"/>
+              <a:ea typeface="Antic Slab"/>
+              <a:cs typeface="Antic Slab"/>
+              <a:sym typeface="Antic Slab"/>
+            </a:endParaRPr>
+          </a:p>
+        </p:txBody>
+      </p:sp>
+      <p:sp>
+        <p:nvSpPr>
+          <p:cNvPr id="2" name="Title 1"/>
+          <p:cNvSpPr/>
+          <p:nvPr>
+            <p:ph type="title"/>
+          </p:nvPr>
+        </p:nvSpPr>
+        <p:spPr/>
+        <p:txBody>
+          <a:bodyPr/>
+          <a:p>
+            <a:r>
+              <a:rPr lang="en-US">
+                <a:sym typeface="+mn-ea"/>
+              </a:rPr>
+              <a:t>Managing Files</a:t>
+            </a:r>
+            <a:endParaRPr lang="en-US">
+              <a:sym typeface="+mn-ea"/>
+            </a:endParaRPr>
+          </a:p>
+        </p:txBody>
+      </p:sp>
+      <p:sp>
+        <p:nvSpPr>
+          <p:cNvPr id="3" name="Text Placeholder 2"/>
+          <p:cNvSpPr/>
+          <p:nvPr>
+            <p:ph type="body" idx="1"/>
+          </p:nvPr>
+        </p:nvSpPr>
+        <p:spPr>
+          <a:xfrm>
+            <a:off x="1401445" y="2789555"/>
+            <a:ext cx="8284210" cy="3265805"/>
+          </a:xfrm>
+        </p:spPr>
+        <p:txBody>
+          <a:bodyPr/>
+          <a:p>
+            <a:pPr>
+              <a:lnSpc>
+                <a:spcPct val="150000"/>
+              </a:lnSpc>
+            </a:pPr>
+            <a:r>
+              <a:rPr lang="en-US"/>
+              <a:t>From the Supabase dashboard, you can move, rename, and delete files.</a:t>
+            </a:r>
+            <a:endParaRPr lang="en-US"/>
+          </a:p>
+          <a:p>
+            <a:pPr>
+              <a:lnSpc>
+                <a:spcPct val="150000"/>
+              </a:lnSpc>
+            </a:pPr>
+            <a:r>
+              <a:rPr lang="en-US"/>
+              <a:t>Use best practices for file organization and naming conventions to avoid clutter and ensure easy management.</a:t>
             </a:r>
             <a:endParaRPr lang="en-US"/>
           </a:p>
@@ -19367,7 +19116,7 @@
           <a:p>
             <a:r>
               <a:rPr lang="en-US"/>
-              <a:t>Uploading the Profile Picture</a:t>
+              <a:t>Access Control Options</a:t>
             </a:r>
             <a:endParaRPr lang="en-US"/>
           </a:p>
@@ -19397,31 +19146,31 @@
             </a:pPr>
             <a:r>
               <a:rPr lang="en-US"/>
-              <a:t>Allow users to upload a profile picture when they sign up or update their profile.</a:t>
+              <a:t>Supabase allows you to control who can access files based on the bucket’s privacy settings.</a:t>
             </a:r>
             <a:endParaRPr lang="en-US"/>
           </a:p>
           <a:p>
-            <a:pPr>
+            <a:pPr lvl="1">
               <a:lnSpc>
                 <a:spcPct val="150000"/>
               </a:lnSpc>
             </a:pPr>
             <a:r>
               <a:rPr lang="en-US"/>
-              <a:t>Store the image in a specific folder in Supabase Storage (e.g., /avatars/{user_id}/).</a:t>
+              <a:t>Public Bucket: Files in the bucket are accessible by anyone via a public URL.</a:t>
             </a:r>
             <a:endParaRPr lang="en-US"/>
           </a:p>
           <a:p>
-            <a:pPr>
+            <a:pPr lvl="1">
               <a:lnSpc>
                 <a:spcPct val="150000"/>
               </a:lnSpc>
             </a:pPr>
             <a:r>
               <a:rPr lang="en-US"/>
-              <a:t>Example:</a:t>
+              <a:t>Private Bucket: Files in the bucket are restricted, and only authorized users or systems can access them.</a:t>
             </a:r>
             <a:endParaRPr lang="en-US"/>
           </a:p>
@@ -19469,89 +19218,6 @@
             <a:r>
               <a:rPr lang="en-US"/>
               <a:t>joeshwoa.george@gmail.com</a:t>
-            </a:r>
-            <a:endParaRPr lang="en-US"/>
-          </a:p>
-        </p:txBody>
-      </p:sp>
-      <p:sp>
-        <p:nvSpPr>
-          <p:cNvPr id="4" name="Rounded Rectangle 3"/>
-          <p:cNvSpPr/>
-          <p:nvPr/>
-        </p:nvSpPr>
-        <p:spPr>
-          <a:xfrm>
-            <a:off x="2372995" y="5185410"/>
-            <a:ext cx="6908800" cy="1467485"/>
-          </a:xfrm>
-          <a:prstGeom prst="roundRect">
-            <a:avLst/>
-          </a:prstGeom>
-          <a:solidFill>
-            <a:schemeClr val="bg2"/>
-          </a:solidFill>
-          <a:ln>
-            <a:solidFill>
-              <a:schemeClr val="bg2"/>
-            </a:solidFill>
-          </a:ln>
-        </p:spPr>
-        <p:style>
-          <a:lnRef idx="2">
-            <a:schemeClr val="accent1">
-              <a:lumMod val="75000"/>
-            </a:schemeClr>
-          </a:lnRef>
-          <a:fillRef idx="1">
-            <a:schemeClr val="accent1"/>
-          </a:fillRef>
-          <a:effectRef idx="0">
-            <a:srgbClr val="FFFFFF"/>
-          </a:effectRef>
-          <a:fontRef idx="minor">
-            <a:schemeClr val="lt1"/>
-          </a:fontRef>
-        </p:style>
-        <p:txBody>
-          <a:bodyPr rtlCol="0" anchor="ctr"/>
-          <a:p>
-            <a:pPr algn="l"/>
-            <a:r>
-              <a:rPr lang="en-US"/>
-              <a:t>const handleProfilePicUpload = async (file, userId) =&gt; {</a:t>
-            </a:r>
-            <a:endParaRPr lang="en-US"/>
-          </a:p>
-          <a:p>
-            <a:pPr algn="l"/>
-            <a:r>
-              <a:rPr lang="en-US"/>
-              <a:t>  const { data, error } = await supabase.storage</a:t>
-            </a:r>
-            <a:endParaRPr lang="en-US"/>
-          </a:p>
-          <a:p>
-            <a:pPr algn="l"/>
-            <a:r>
-              <a:rPr lang="en-US"/>
-              <a:t>    .from('avatars')</a:t>
-            </a:r>
-            <a:endParaRPr lang="en-US"/>
-          </a:p>
-          <a:p>
-            <a:pPr algn="l"/>
-            <a:r>
-              <a:rPr lang="en-US"/>
-              <a:t>    .upload(`public/${userId}/avatar.png`, file);</a:t>
-            </a:r>
-            <a:endParaRPr lang="en-US"/>
-          </a:p>
-          <a:p>
-            <a:pPr algn="l"/>
-            <a:r>
-              <a:rPr lang="en-US"/>
-              <a:t>};</a:t>
             </a:r>
             <a:endParaRPr lang="en-US"/>
           </a:p>
@@ -19656,7 +19322,7 @@
           <a:p>
             <a:r>
               <a:rPr lang="en-US"/>
-              <a:t>Updating the Profile in the Database</a:t>
+              <a:t>Setting Bucket Privacy</a:t>
             </a:r>
             <a:endParaRPr lang="en-US"/>
           </a:p>
@@ -19686,19 +19352,31 @@
             </a:pPr>
             <a:r>
               <a:rPr lang="en-US"/>
-              <a:t>Store the file URL in the user's profile record in your Supabase database. This will allow you to easily fetch and display the profile picture.</a:t>
+              <a:t>Public Access:</a:t>
             </a:r>
             <a:endParaRPr lang="en-US"/>
           </a:p>
           <a:p>
-            <a:pPr>
+            <a:pPr lvl="1">
               <a:lnSpc>
                 <a:spcPct val="150000"/>
               </a:lnSpc>
             </a:pPr>
             <a:r>
               <a:rPr lang="en-US"/>
-              <a:t>Example:</a:t>
+              <a:t>When creating a bucket, you can set it to be public, allowing anyone to access files via a public URL.</a:t>
+            </a:r>
+            <a:endParaRPr lang="en-US"/>
+          </a:p>
+          <a:p>
+            <a:pPr lvl="1">
+              <a:lnSpc>
+                <a:spcPct val="150000"/>
+              </a:lnSpc>
+            </a:pPr>
+            <a:r>
+              <a:rPr lang="en-US"/>
+              <a:t>Example: Accessing a public file:</a:t>
             </a:r>
             <a:endParaRPr lang="en-US"/>
           </a:p>
@@ -19753,14 +19431,14 @@
       </p:sp>
       <p:sp>
         <p:nvSpPr>
-          <p:cNvPr id="4" name="Rounded Rectangle 3"/>
+          <p:cNvPr id="6" name="Rounded Rectangle 5"/>
           <p:cNvSpPr/>
           <p:nvPr/>
         </p:nvSpPr>
         <p:spPr>
           <a:xfrm>
-            <a:off x="2372995" y="4966335"/>
-            <a:ext cx="6908800" cy="1554480"/>
+            <a:off x="2372995" y="4846955"/>
+            <a:ext cx="6908800" cy="821055"/>
           </a:xfrm>
           <a:prstGeom prst="roundRect">
             <a:avLst/>
@@ -19796,47 +19474,7 @@
             <a:pPr algn="l"/>
             <a:r>
               <a:rPr lang="en-US"/>
-              <a:t>const updateProfile = async (userId, avatarUrl) =&gt; {</a:t>
-            </a:r>
-            <a:endParaRPr lang="en-US"/>
-          </a:p>
-          <a:p>
-            <a:pPr algn="l"/>
-            <a:r>
-              <a:rPr lang="en-US"/>
-              <a:t>  const { data, error } = await supabase</a:t>
-            </a:r>
-            <a:endParaRPr lang="en-US"/>
-          </a:p>
-          <a:p>
-            <a:pPr algn="l"/>
-            <a:r>
-              <a:rPr lang="en-US"/>
-              <a:t>    .from('profiles')</a:t>
-            </a:r>
-            <a:endParaRPr lang="en-US"/>
-          </a:p>
-          <a:p>
-            <a:pPr algn="l"/>
-            <a:r>
-              <a:rPr lang="en-US"/>
-              <a:t>    .update({ avatar_url: avatarUrl })</a:t>
-            </a:r>
-            <a:endParaRPr lang="en-US"/>
-          </a:p>
-          <a:p>
-            <a:pPr algn="l"/>
-            <a:r>
-              <a:rPr lang="en-US"/>
-              <a:t>    .eq('id', userId);</a:t>
-            </a:r>
-            <a:endParaRPr lang="en-US"/>
-          </a:p>
-          <a:p>
-            <a:pPr algn="l"/>
-            <a:r>
-              <a:rPr lang="en-US"/>
-              <a:t>};</a:t>
+              <a:t>https://your-project.supabase.co/storage/v1/object/public/your-bucket-name/avatar.png</a:t>
             </a:r>
             <a:endParaRPr lang="en-US"/>
           </a:p>
@@ -19940,14 +19578,10 @@
           <a:bodyPr/>
           <a:p>
             <a:r>
-              <a:rPr lang="en-US">
-                <a:sym typeface="+mn-ea"/>
-              </a:rPr>
-              <a:t>Displaying the Profile Picture</a:t>
+              <a:rPr lang="en-US"/>
+              <a:t>Setting Bucket Privacy</a:t>
             </a:r>
-            <a:endParaRPr lang="en-US">
-              <a:sym typeface="+mn-ea"/>
-            </a:endParaRPr>
+            <a:endParaRPr lang="en-US"/>
           </a:p>
         </p:txBody>
       </p:sp>
@@ -19975,21 +19609,82 @@
             </a:pPr>
             <a:r>
               <a:rPr lang="en-US"/>
-              <a:t>Retrieve the user’s profile picture URL from the database and display it on the user's profile page.</a:t>
+              <a:t>Private Access:</a:t>
             </a:r>
             <a:endParaRPr lang="en-US"/>
           </a:p>
           <a:p>
-            <a:pPr>
+            <a:pPr lvl="1">
               <a:lnSpc>
                 <a:spcPct val="150000"/>
               </a:lnSpc>
             </a:pPr>
             <a:r>
               <a:rPr lang="en-US"/>
-              <a:t>Example:</a:t>
+              <a:t>For more sensitive files, set the bucket to private.</a:t>
             </a:r>
             <a:endParaRPr lang="en-US"/>
+          </a:p>
+          <a:p>
+            <a:pPr lvl="1">
+              <a:lnSpc>
+                <a:spcPct val="150000"/>
+              </a:lnSpc>
+            </a:pPr>
+            <a:r>
+              <a:rPr lang="en-US"/>
+              <a:t>Private files can only be accessed using a signed URL or authenticated request.</a:t>
+            </a:r>
+            <a:endParaRPr lang="en-US"/>
+          </a:p>
+          <a:p>
+            <a:pPr lvl="1">
+              <a:lnSpc>
+                <a:spcPct val="150000"/>
+              </a:lnSpc>
+            </a:pPr>
+            <a:r>
+              <a:rPr lang="en-US"/>
+              <a:t>Example: Generating a signed URL for private files:</a:t>
+            </a:r>
+            <a:endParaRPr lang="en-US"/>
+          </a:p>
+          <a:p>
+            <a:pPr lvl="1">
+              <a:lnSpc>
+                <a:spcPct val="150000"/>
+              </a:lnSpc>
+            </a:pPr>
+            <a:endParaRPr lang="en-US"/>
+          </a:p>
+          <a:p>
+            <a:pPr lvl="1">
+              <a:lnSpc>
+                <a:spcPct val="150000"/>
+              </a:lnSpc>
+            </a:pPr>
+            <a:endParaRPr lang="en-US"/>
+          </a:p>
+          <a:p>
+            <a:pPr lvl="1">
+              <a:lnSpc>
+                <a:spcPct val="150000"/>
+              </a:lnSpc>
+            </a:pPr>
+            <a:endParaRPr lang="en-US"/>
+          </a:p>
+          <a:p>
+            <a:pPr marL="565150" lvl="1" indent="0">
+              <a:lnSpc>
+                <a:spcPct val="150000"/>
+              </a:lnSpc>
+              <a:buNone/>
+            </a:pPr>
+            <a:r>
+              <a:rPr lang="en-US" sz="1200"/>
+              <a:t>*The signed URL expires after 60 seconds, ensuring limited access to the file.</a:t>
+            </a:r>
+            <a:endParaRPr lang="en-US" sz="1200"/>
           </a:p>
         </p:txBody>
       </p:sp>
@@ -20042,14 +19737,14 @@
       </p:sp>
       <p:sp>
         <p:nvSpPr>
-          <p:cNvPr id="4" name="Rounded Rectangle 3"/>
+          <p:cNvPr id="6" name="Rounded Rectangle 5"/>
           <p:cNvSpPr/>
           <p:nvPr/>
         </p:nvSpPr>
         <p:spPr>
           <a:xfrm>
-            <a:off x="2372995" y="4408170"/>
-            <a:ext cx="6908800" cy="1871345"/>
+            <a:off x="2372995" y="5151755"/>
+            <a:ext cx="6908800" cy="1024890"/>
           </a:xfrm>
           <a:prstGeom prst="roundRect">
             <a:avLst/>
@@ -20085,7 +19780,7 @@
             <a:pPr algn="l"/>
             <a:r>
               <a:rPr lang="en-US"/>
-              <a:t>const { data: profile } = await supabase</a:t>
+              <a:t>const { data, error } = await supabase.storage</a:t>
             </a:r>
             <a:endParaRPr lang="en-US"/>
           </a:p>
@@ -20093,7 +19788,7 @@
             <a:pPr algn="l"/>
             <a:r>
               <a:rPr lang="en-US"/>
-              <a:t>  .from('profiles')</a:t>
+              <a:t>  .from('your-bucket-name')</a:t>
             </a:r>
             <a:endParaRPr lang="en-US"/>
           </a:p>
@@ -20101,35 +19796,7 @@
             <a:pPr algn="l"/>
             <a:r>
               <a:rPr lang="en-US"/>
-              <a:t>  .select('avatar_url')</a:t>
-            </a:r>
-            <a:endParaRPr lang="en-US"/>
-          </a:p>
-          <a:p>
-            <a:pPr algn="l"/>
-            <a:r>
-              <a:rPr lang="en-US"/>
-              <a:t>  .eq('id', userId)</a:t>
-            </a:r>
-            <a:endParaRPr lang="en-US"/>
-          </a:p>
-          <a:p>
-            <a:pPr algn="l"/>
-            <a:r>
-              <a:rPr lang="en-US"/>
-              <a:t>  .single();</a:t>
-            </a:r>
-            <a:endParaRPr lang="en-US"/>
-          </a:p>
-          <a:p>
-            <a:pPr algn="l"/>
-            <a:endParaRPr lang="en-US"/>
-          </a:p>
-          <a:p>
-            <a:pPr algn="l"/>
-            <a:r>
-              <a:rPr lang="en-US"/>
-              <a:t>document.getElementById('avatar').src = profile.avatar_url;</a:t>
+              <a:t>  .createSignedUrl('private/avatar.png', 60);</a:t>
             </a:r>
             <a:endParaRPr lang="en-US"/>
           </a:p>
@@ -20234,7 +19901,7 @@
           <a:p>
             <a:r>
               <a:rPr lang="en-US"/>
-              <a:t>Managing Profile Picture Updates</a:t>
+              <a:t>Accessing Files with User Permissions</a:t>
             </a:r>
             <a:endParaRPr lang="en-US"/>
           </a:p>
@@ -20264,19 +19931,31 @@
             </a:pPr>
             <a:r>
               <a:rPr lang="en-US"/>
-              <a:t>If users want to update their profile picture, replace the old image with the new one and update the record in the database.</a:t>
+              <a:t>You can integrate file access with Supabase Auth to restrict access based on user roles.</a:t>
             </a:r>
             <a:endParaRPr lang="en-US"/>
           </a:p>
           <a:p>
-            <a:pPr>
+            <a:pPr lvl="1">
               <a:lnSpc>
                 <a:spcPct val="150000"/>
               </a:lnSpc>
             </a:pPr>
             <a:r>
               <a:rPr lang="en-US"/>
-              <a:t>Implement an option to delete or reset the profile picture to a default image if the user chooses.</a:t>
+              <a:t>Example: Allow only logged-in users to view or download files.</a:t>
+            </a:r>
+            <a:endParaRPr lang="en-US"/>
+          </a:p>
+          <a:p>
+            <a:pPr lvl="1">
+              <a:lnSpc>
+                <a:spcPct val="150000"/>
+              </a:lnSpc>
+            </a:pPr>
+            <a:r>
+              <a:rPr lang="en-US"/>
+              <a:t>Combine Row-Level Security (RLS) policies with file access controls to further refine permissions.</a:t>
             </a:r>
             <a:endParaRPr lang="en-US"/>
           </a:p>
@@ -21079,7 +20758,7 @@
             </a:pPr>
             <a:r>
               <a:rPr lang="en-US"/>
-              <a:t>Set up a file input in your frontend application to allow users to upload an image.</a:t>
+              <a:t>Create a new bucket in your Supabase project.</a:t>
             </a:r>
             <a:endParaRPr lang="en-US"/>
           </a:p>
@@ -21091,7 +20770,7 @@
             </a:pPr>
             <a:r>
               <a:rPr lang="en-US"/>
-              <a:t>Compress an image before uploading it to Supabase Storage.</a:t>
+              <a:t>Upload an image file (e.g., a profile picture).</a:t>
             </a:r>
             <a:endParaRPr lang="en-US"/>
           </a:p>
@@ -21103,7 +20782,7 @@
             </a:pPr>
             <a:r>
               <a:rPr lang="en-US"/>
-              <a:t>Implement a file size limit in your upload form to restrict large files.</a:t>
+              <a:t>Explore the bucket via the dashboard and ensure the file is successfully uploaded.</a:t>
             </a:r>
             <a:endParaRPr lang="en-US"/>
           </a:p>
@@ -21115,7 +20794,7 @@
             </a:pPr>
             <a:r>
               <a:rPr lang="en-US"/>
-              <a:t>Display the uploaded image back to the user after successful upload.</a:t>
+              <a:t>Retrieve and display an uploaded image in your app using the Supabase SDK.</a:t>
             </a:r>
             <a:endParaRPr lang="en-US"/>
           </a:p>
@@ -21124,6 +20803,19 @@
               <a:lnSpc>
                 <a:spcPct val="150000"/>
               </a:lnSpc>
+            </a:pPr>
+            <a:r>
+              <a:rPr lang="en-US"/>
+              <a:t>List all files in a bucket and display their names and download links.</a:t>
+            </a:r>
+            <a:endParaRPr lang="en-US"/>
+          </a:p>
+          <a:p>
+            <a:pPr marL="107950" indent="0">
+              <a:lnSpc>
+                <a:spcPct val="150000"/>
+              </a:lnSpc>
+              <a:buNone/>
             </a:pPr>
             <a:endParaRPr lang="en-US"/>
           </a:p>
@@ -21309,11 +21001,9 @@
               <a:rPr lang="en-US">
                 <a:sym typeface="+mn-ea"/>
               </a:rPr>
-              <a:t>Implement a button that allows users to download the file from Supabase Storage.</a:t>
+              <a:t>Practice deleting a file</a:t>
             </a:r>
-            <a:endParaRPr lang="en-US">
-              <a:sym typeface="+mn-ea"/>
-            </a:endParaRPr>
+            <a:endParaRPr lang="en-US"/>
           </a:p>
           <a:p>
             <a:pPr>
@@ -21323,7 +21013,43 @@
             </a:pPr>
             <a:r>
               <a:rPr lang="en-US"/>
-              <a:t>Implement an option to update or delete the profile picture.</a:t>
+              <a:t>access files via the public URL.</a:t>
+            </a:r>
+            <a:endParaRPr lang="en-US"/>
+          </a:p>
+          <a:p>
+            <a:pPr>
+              <a:lnSpc>
+                <a:spcPct val="150000"/>
+              </a:lnSpc>
+            </a:pPr>
+            <a:r>
+              <a:rPr lang="en-US"/>
+              <a:t>Change the bucket to private and use signed URLs to provide temporary access to files.</a:t>
+            </a:r>
+            <a:endParaRPr lang="en-US"/>
+          </a:p>
+          <a:p>
+            <a:pPr>
+              <a:lnSpc>
+                <a:spcPct val="150000"/>
+              </a:lnSpc>
+            </a:pPr>
+            <a:r>
+              <a:rPr lang="en-US"/>
+              <a:t>Allow only logged-in users to upload and view files.</a:t>
+            </a:r>
+            <a:endParaRPr lang="en-US"/>
+          </a:p>
+          <a:p>
+            <a:pPr>
+              <a:lnSpc>
+                <a:spcPct val="150000"/>
+              </a:lnSpc>
+            </a:pPr>
+            <a:r>
+              <a:rPr lang="en-US"/>
+              <a:t>Restrict non-logged-in users from accessing certain resources.</a:t>
             </a:r>
             <a:endParaRPr lang="en-US"/>
           </a:p>
@@ -22718,7 +22444,7 @@
             </a:pPr>
             <a:r>
               <a:rPr lang="en-US" altLang="en-GB" sz="10000"/>
-              <a:t>See you next sesson</a:t>
+              <a:t>See you next session</a:t>
             </a:r>
             <a:r>
               <a:rPr lang="en-GB" sz="10000"/>
@@ -23901,7 +23627,7 @@
               <a:buNone/>
             </a:pPr>
             <a:r>
-              <a:t>Frontend Integration with Supabase Storage</a:t>
+              <a:t>What is Supabase Storage?</a:t>
             </a:r>
           </a:p>
         </p:txBody>
@@ -23939,13 +23665,8 @@
               <a:buNone/>
             </a:pPr>
             <a:r>
-              <a:t>Challenges with Large File Upload</a:t>
+              <a:t>Uploading Files via Supabase Dashboard</a:t>
             </a:r>
-            <a:r>
-              <a:rPr lang="en-US"/>
-              <a:t>s</a:t>
-            </a:r>
-            <a:endParaRPr lang="en-US"/>
           </a:p>
         </p:txBody>
       </p:sp>
@@ -24095,15 +23816,7 @@
             </a:pPr>
             <a:r>
               <a:rPr sz="2400"/>
-              <a:t>Connecting Supabase Storage with</a:t>
-            </a:r>
-            <a:r>
-              <a:rPr lang="en-US" sz="2400"/>
-              <a:t> </a:t>
-            </a:r>
-            <a:r>
-              <a:rPr sz="2400"/>
-              <a:t>Frontend</a:t>
+              <a:t>Introduction to Supabase Storage</a:t>
             </a:r>
             <a:endParaRPr sz="2400"/>
           </a:p>
@@ -24145,7 +23858,7 @@
               <a:rPr lang="en-US" altLang="en-GB" sz="2400">
                 <a:sym typeface="+mn-ea"/>
               </a:rPr>
-              <a:t>Best Practices for Managing Large Files</a:t>
+              <a:t>Uploading Files to Supabase Storage</a:t>
             </a:r>
             <a:endParaRPr lang="en-US" altLang="en-GB" sz="2400">
               <a:sym typeface="+mn-ea"/>
@@ -24226,8 +23939,16 @@
               <a:buNone/>
             </a:pPr>
             <a:r>
-              <a:t>Profile Picture Management</a:t>
+              <a:t>Downloading</a:t>
             </a:r>
+            <a:r>
+              <a:rPr lang="en-US"/>
+              <a:t>, Deleting, Listing and Managing </a:t>
+            </a:r>
+            <a:r>
+              <a:t>Files</a:t>
+            </a:r>
+            <a:endParaRPr lang="en-US"/>
           </a:p>
         </p:txBody>
       </p:sp>
@@ -24265,7 +23986,7 @@
             </a:pPr>
             <a:r>
               <a:rPr lang="en-US" altLang="en-GB" sz="2400"/>
-              <a:t>Real-World Use Cases</a:t>
+              <a:t>Downloading and Managing Files</a:t>
             </a:r>
             <a:endParaRPr lang="en-US" altLang="en-GB" sz="2400"/>
           </a:p>
@@ -24765,7 +24486,7 @@
               <a:rPr>
                 <a:sym typeface="+mn-ea"/>
               </a:rPr>
-              <a:t>Frontend Integration with Supabase Storage</a:t>
+              <a:t>What is Supabase Storage?</a:t>
             </a:r>
             <a:endParaRPr>
               <a:sym typeface="+mn-ea"/>
@@ -24809,19 +24530,7 @@
               <a:rPr>
                 <a:sym typeface="+mn-ea"/>
               </a:rPr>
-              <a:t>Connecting Supabase Storage with</a:t>
-            </a:r>
-            <a:r>
-              <a:rPr lang="en-US">
-                <a:sym typeface="+mn-ea"/>
-              </a:rPr>
-              <a:t> </a:t>
-            </a:r>
-            <a:r>
-              <a:rPr>
-                <a:sym typeface="+mn-ea"/>
-              </a:rPr>
-              <a:t>Frontend</a:t>
+              <a:t>Introduction to Supabase Storage</a:t>
             </a:r>
             <a:r>
               <a:rPr lang="en-GB"/>
@@ -25126,7 +24835,7 @@
               <a:rPr>
                 <a:sym typeface="+mn-ea"/>
               </a:rPr>
-              <a:t>Frontend Integration with Supabase Storage</a:t>
+              <a:t>What is Supabase Storage?</a:t>
             </a:r>
             <a:endParaRPr>
               <a:sym typeface="+mn-ea"/>
@@ -25170,8 +24879,59 @@
             </a:pPr>
             <a:r>
               <a:rPr lang="en-US" altLang="en-GB"/>
-              <a:t>Supabase provides a seamless way to integrate storage functionality into frontend applications using the Supabase SDK. This allows users to upload, view, and manage files such as images, videos, and documents directly from the client side</a:t>
+              <a:t>Supabase Storage is a scalable object storage service built directly into Supabase, allowing you to upload, store, and manage files such as images, videos, and documents.</a:t>
             </a:r>
+            <a:endParaRPr lang="en-US" altLang="en-GB"/>
+          </a:p>
+          <a:p>
+            <a:pPr marL="342900" lvl="0" indent="-342900" algn="l" rtl="0">
+              <a:lnSpc>
+                <a:spcPct val="150000"/>
+              </a:lnSpc>
+              <a:spcBef>
+                <a:spcPts val="0"/>
+              </a:spcBef>
+              <a:spcAft>
+                <a:spcPts val="0"/>
+              </a:spcAft>
+            </a:pPr>
+            <a:r>
+              <a:rPr lang="en-US" altLang="en-GB"/>
+              <a:t>It integrates seamlessly with Supabase Auth and database services, making it easy to manage permissions and file access control.</a:t>
+            </a:r>
+            <a:endParaRPr lang="en-US" altLang="en-GB"/>
+          </a:p>
+          <a:p>
+            <a:pPr marL="800100" lvl="1" indent="-342900" algn="l" rtl="0">
+              <a:lnSpc>
+                <a:spcPct val="150000"/>
+              </a:lnSpc>
+              <a:spcBef>
+                <a:spcPts val="0"/>
+              </a:spcBef>
+              <a:spcAft>
+                <a:spcPts val="0"/>
+              </a:spcAft>
+            </a:pPr>
+            <a:r>
+              <a:rPr lang="en-US" altLang="en-GB"/>
+              <a:t>Buckets: Organizational units for storing files.</a:t>
+            </a:r>
+            <a:endParaRPr lang="en-US" altLang="en-GB"/>
+          </a:p>
+          <a:p>
+            <a:pPr marL="457200" lvl="1" indent="0" algn="l" rtl="0">
+              <a:lnSpc>
+                <a:spcPct val="150000"/>
+              </a:lnSpc>
+              <a:spcBef>
+                <a:spcPts val="0"/>
+              </a:spcBef>
+              <a:spcAft>
+                <a:spcPts val="0"/>
+              </a:spcAft>
+              <a:buNone/>
+            </a:pPr>
             <a:endParaRPr lang="en-US" altLang="en-GB"/>
           </a:p>
         </p:txBody>
@@ -25415,7 +25175,7 @@
               <a:rPr>
                 <a:sym typeface="+mn-ea"/>
               </a:rPr>
-              <a:t>Initialize Supabase in Your Frontend</a:t>
+              <a:t>What is Supabase Storage?</a:t>
             </a:r>
             <a:endParaRPr>
               <a:sym typeface="+mn-ea"/>
@@ -25446,7 +25206,7 @@
           </a:bodyPr>
           <a:lstStyle/>
           <a:p>
-            <a:pPr marL="342900" lvl="0" indent="-342900" algn="l" rtl="0">
+            <a:pPr marL="800100" lvl="1" indent="-342900" algn="l" rtl="0">
               <a:lnSpc>
                 <a:spcPct val="150000"/>
               </a:lnSpc>
@@ -25459,12 +25219,12 @@
             </a:pPr>
             <a:r>
               <a:rPr lang="en-US" altLang="en-GB"/>
-              <a:t>Start by initializing the Supabase client in your frontend application. Use the supabase-js SDK to communicate with the Supabase backend.</a:t>
+              <a:t>File management: Uploading, downloading, deleting, and listing files.</a:t>
             </a:r>
             <a:endParaRPr lang="en-US" altLang="en-GB"/>
           </a:p>
           <a:p>
-            <a:pPr marL="342900" lvl="0" indent="-342900" algn="l" rtl="0">
+            <a:pPr marL="800100" lvl="1" indent="-342900" algn="l" rtl="0">
               <a:lnSpc>
                 <a:spcPct val="150000"/>
               </a:lnSpc>
@@ -25477,12 +25237,12 @@
             </a:pPr>
             <a:r>
               <a:rPr lang="en-US" altLang="en-GB"/>
-              <a:t>Example:</a:t>
+              <a:t>Access control: Define who can access files (public or private).</a:t>
             </a:r>
             <a:endParaRPr lang="en-US" altLang="en-GB"/>
           </a:p>
           <a:p>
-            <a:pPr marL="342900" lvl="0" indent="-342900" algn="l" rtl="0">
+            <a:pPr marL="800100" lvl="1" indent="-342900" algn="l" rtl="0">
               <a:lnSpc>
                 <a:spcPct val="150000"/>
               </a:lnSpc>
@@ -25493,6 +25253,10 @@
                 <a:spcPts val="0"/>
               </a:spcAft>
             </a:pPr>
+            <a:r>
+              <a:rPr lang="en-US" altLang="en-GB"/>
+              <a:t>Integration with Auth: Restrict file access based on user roles or authentication status.</a:t>
+            </a:r>
             <a:endParaRPr lang="en-US" altLang="en-GB"/>
           </a:p>
         </p:txBody>
@@ -25539,85 +25303,6 @@
             <a:r>
               <a:rPr lang="en-US"/>
               <a:t>joeshwoa.george@gmail.com</a:t>
-            </a:r>
-            <a:endParaRPr lang="en-US"/>
-          </a:p>
-        </p:txBody>
-      </p:sp>
-      <p:sp>
-        <p:nvSpPr>
-          <p:cNvPr id="6" name="Rounded Rectangle 5"/>
-          <p:cNvSpPr/>
-          <p:nvPr/>
-        </p:nvSpPr>
-        <p:spPr>
-          <a:xfrm>
-            <a:off x="2372995" y="4852670"/>
-            <a:ext cx="6908800" cy="1598930"/>
-          </a:xfrm>
-          <a:prstGeom prst="roundRect">
-            <a:avLst/>
-          </a:prstGeom>
-          <a:solidFill>
-            <a:schemeClr val="bg2"/>
-          </a:solidFill>
-          <a:ln>
-            <a:solidFill>
-              <a:schemeClr val="bg2"/>
-            </a:solidFill>
-          </a:ln>
-        </p:spPr>
-        <p:style>
-          <a:lnRef idx="2">
-            <a:schemeClr val="accent1">
-              <a:lumMod val="75000"/>
-            </a:schemeClr>
-          </a:lnRef>
-          <a:fillRef idx="1">
-            <a:schemeClr val="accent1"/>
-          </a:fillRef>
-          <a:effectRef idx="0">
-            <a:srgbClr val="FFFFFF"/>
-          </a:effectRef>
-          <a:fontRef idx="minor">
-            <a:schemeClr val="lt1"/>
-          </a:fontRef>
-        </p:style>
-        <p:txBody>
-          <a:bodyPr rtlCol="0" anchor="ctr"/>
-          <a:p>
-            <a:pPr algn="l"/>
-            <a:r>
-              <a:rPr lang="en-US"/>
-              <a:t>import { createClient } from '@supabase/supabase-js';</a:t>
-            </a:r>
-            <a:endParaRPr lang="en-US"/>
-          </a:p>
-          <a:p>
-            <a:pPr algn="l"/>
-            <a:endParaRPr lang="en-US"/>
-          </a:p>
-          <a:p>
-            <a:pPr algn="l"/>
-            <a:r>
-              <a:rPr lang="en-US"/>
-              <a:t>const supabaseUrl = 'https://your-project.supabase.co';</a:t>
-            </a:r>
-            <a:endParaRPr lang="en-US"/>
-          </a:p>
-          <a:p>
-            <a:pPr algn="l"/>
-            <a:r>
-              <a:rPr lang="en-US"/>
-              <a:t>const supabaseKey = 'your-anon-key';</a:t>
-            </a:r>
-            <a:endParaRPr lang="en-US"/>
-          </a:p>
-          <a:p>
-            <a:pPr algn="l"/>
-            <a:r>
-              <a:rPr lang="en-US"/>
-              <a:t>const supabase = createClient(supabaseUrl, supabaseKey);</a:t>
             </a:r>
             <a:endParaRPr lang="en-US"/>
           </a:p>
@@ -25812,10 +25497,10 @@
               <a:buNone/>
             </a:pPr>
             <a:r>
-              <a:rPr lang="en-US" altLang="en-GB">
+              <a:rPr>
                 <a:sym typeface="+mn-ea"/>
               </a:rPr>
-              <a:t>Uploading Files via the Frontend</a:t>
+              <a:t>Use Cases for Supabase Storage</a:t>
             </a:r>
             <a:endParaRPr>
               <a:sym typeface="+mn-ea"/>
@@ -25858,10 +25543,14 @@
               </a:spcAft>
             </a:pPr>
             <a:r>
-              <a:rPr lang="en-US" altLang="en-GB"/>
-              <a:t>Use the Supabase Storage SDK to allow users to upload files from your frontend.</a:t>
+              <a:rPr lang="en-US" altLang="en-GB">
+                <a:sym typeface="+mn-ea"/>
+              </a:rPr>
+              <a:t>Profile picture uploads.</a:t>
             </a:r>
-            <a:endParaRPr lang="en-US" altLang="en-GB"/>
+            <a:endParaRPr lang="en-US" altLang="en-GB">
+              <a:sym typeface="+mn-ea"/>
+            </a:endParaRPr>
           </a:p>
           <a:p>
             <a:pPr marL="342900" lvl="0" indent="-342900" algn="l" rtl="0">
@@ -25876,10 +25565,58 @@
               </a:spcAft>
             </a:pPr>
             <a:r>
-              <a:rPr lang="en-US" altLang="en-GB"/>
-              <a:t>Example: Creating an upload form in a React component:</a:t>
+              <a:rPr lang="en-US" altLang="en-GB">
+                <a:sym typeface="+mn-ea"/>
+              </a:rPr>
+              <a:t>Document management systems.</a:t>
             </a:r>
-            <a:endParaRPr lang="en-US" altLang="en-GB"/>
+            <a:endParaRPr lang="en-US" altLang="en-GB">
+              <a:sym typeface="+mn-ea"/>
+            </a:endParaRPr>
+          </a:p>
+          <a:p>
+            <a:pPr marL="342900" lvl="0" indent="-342900" algn="l" rtl="0">
+              <a:lnSpc>
+                <a:spcPct val="150000"/>
+              </a:lnSpc>
+              <a:spcBef>
+                <a:spcPts val="0"/>
+              </a:spcBef>
+              <a:spcAft>
+                <a:spcPts val="0"/>
+              </a:spcAft>
+            </a:pPr>
+            <a:r>
+              <a:rPr lang="en-US" altLang="en-GB">
+                <a:sym typeface="+mn-ea"/>
+              </a:rPr>
+              <a:t>Media-heavy apps (images, videos, etc.).</a:t>
+            </a:r>
+            <a:endParaRPr lang="en-US" altLang="en-GB">
+              <a:sym typeface="+mn-ea"/>
+            </a:endParaRPr>
+          </a:p>
+          <a:p>
+            <a:pPr marL="342900" lvl="0" indent="-342900" algn="l" rtl="0">
+              <a:lnSpc>
+                <a:spcPct val="150000"/>
+              </a:lnSpc>
+              <a:spcBef>
+                <a:spcPts val="0"/>
+              </a:spcBef>
+              <a:spcAft>
+                <a:spcPts val="0"/>
+              </a:spcAft>
+            </a:pPr>
+            <a:r>
+              <a:rPr lang="en-US" altLang="en-GB">
+                <a:sym typeface="+mn-ea"/>
+              </a:rPr>
+              <a:t>Storing assets like PDFs, videos, or product images.</a:t>
+            </a:r>
+            <a:endParaRPr lang="en-US" altLang="en-GB">
+              <a:sym typeface="+mn-ea"/>
+            </a:endParaRPr>
           </a:p>
         </p:txBody>
       </p:sp>
@@ -25925,117 +25662,6 @@
             <a:r>
               <a:rPr lang="en-US"/>
               <a:t>joeshwoa.george@gmail.com</a:t>
-            </a:r>
-            <a:endParaRPr lang="en-US"/>
-          </a:p>
-        </p:txBody>
-      </p:sp>
-      <p:sp>
-        <p:nvSpPr>
-          <p:cNvPr id="6" name="Rounded Rectangle 5"/>
-          <p:cNvSpPr/>
-          <p:nvPr/>
-        </p:nvSpPr>
-        <p:spPr>
-          <a:xfrm>
-            <a:off x="2372995" y="4354830"/>
-            <a:ext cx="6908800" cy="2279015"/>
-          </a:xfrm>
-          <a:prstGeom prst="roundRect">
-            <a:avLst/>
-          </a:prstGeom>
-          <a:solidFill>
-            <a:schemeClr val="bg2"/>
-          </a:solidFill>
-          <a:ln>
-            <a:solidFill>
-              <a:schemeClr val="bg2"/>
-            </a:solidFill>
-          </a:ln>
-        </p:spPr>
-        <p:style>
-          <a:lnRef idx="2">
-            <a:schemeClr val="accent1">
-              <a:lumMod val="75000"/>
-            </a:schemeClr>
-          </a:lnRef>
-          <a:fillRef idx="1">
-            <a:schemeClr val="accent1"/>
-          </a:fillRef>
-          <a:effectRef idx="0">
-            <a:srgbClr val="FFFFFF"/>
-          </a:effectRef>
-          <a:fontRef idx="minor">
-            <a:schemeClr val="lt1"/>
-          </a:fontRef>
-        </p:style>
-        <p:txBody>
-          <a:bodyPr rtlCol="0" anchor="ctr"/>
-          <a:p>
-            <a:pPr algn="l"/>
-            <a:r>
-              <a:rPr lang="en-US"/>
-              <a:t>const handleFileUpload = async (event) =&gt; {</a:t>
-            </a:r>
-            <a:endParaRPr lang="en-US"/>
-          </a:p>
-          <a:p>
-            <a:pPr algn="l"/>
-            <a:r>
-              <a:rPr lang="en-US"/>
-              <a:t>  const file = event.target.files[0];</a:t>
-            </a:r>
-            <a:endParaRPr lang="en-US"/>
-          </a:p>
-          <a:p>
-            <a:pPr algn="l"/>
-            <a:r>
-              <a:rPr lang="en-US"/>
-              <a:t>  const { data, error } = await supabase.storage</a:t>
-            </a:r>
-            <a:endParaRPr lang="en-US"/>
-          </a:p>
-          <a:p>
-            <a:pPr algn="l"/>
-            <a:r>
-              <a:rPr lang="en-US"/>
-              <a:t>    .from('your-bucket')</a:t>
-            </a:r>
-            <a:endParaRPr lang="en-US"/>
-          </a:p>
-          <a:p>
-            <a:pPr algn="l"/>
-            <a:r>
-              <a:rPr lang="en-US"/>
-              <a:t>    .upload(`uploads/${file.name}`, file);</a:t>
-            </a:r>
-            <a:endParaRPr lang="en-US"/>
-          </a:p>
-          <a:p>
-            <a:pPr algn="l"/>
-            <a:endParaRPr lang="en-US"/>
-          </a:p>
-          <a:p>
-            <a:pPr algn="l"/>
-            <a:r>
-              <a:rPr lang="en-US"/>
-              <a:t>  if (error) console.error('File upload error:', error);</a:t>
-            </a:r>
-            <a:endParaRPr lang="en-US"/>
-          </a:p>
-          <a:p>
-            <a:pPr algn="l"/>
-            <a:r>
-              <a:rPr lang="en-US"/>
-              <a:t>  else console.log('File uploaded:', data);</a:t>
-            </a:r>
-            <a:endParaRPr lang="en-US"/>
-          </a:p>
-          <a:p>
-            <a:pPr algn="l"/>
-            <a:r>
-              <a:rPr lang="en-US"/>
-              <a:t>};</a:t>
             </a:r>
             <a:endParaRPr lang="en-US"/>
           </a:p>
@@ -26230,12 +25856,18 @@
               <a:buNone/>
             </a:pPr>
             <a:r>
-              <a:rPr lang="en-US" altLang="en-GB">
+              <a:rPr>
                 <a:sym typeface="+mn-ea"/>
               </a:rPr>
-              <a:t>Displaying Uploaded Files</a:t>
+              <a:t>How Supabase Storage Works</a:t>
             </a:r>
-            <a:endParaRPr lang="en-US" altLang="en-GB">
+            <a:r>
+              <a:rPr lang="en-US">
+                <a:sym typeface="+mn-ea"/>
+              </a:rPr>
+              <a:t>?</a:t>
+            </a:r>
+            <a:endParaRPr lang="en-US">
               <a:sym typeface="+mn-ea"/>
             </a:endParaRPr>
           </a:p>
@@ -26276,10 +25908,14 @@
               </a:spcAft>
             </a:pPr>
             <a:r>
-              <a:rPr lang="en-US" altLang="en-GB"/>
-              <a:t>After uploading, files can be accessed by generating a URL. If the file is in a public bucket, you can directly access it. For private buckets, generate signed URLs.</a:t>
+              <a:rPr lang="en-US" altLang="en-GB">
+                <a:sym typeface="+mn-ea"/>
+              </a:rPr>
+              <a:t>Files are organized into buckets, and each bucket can have its own set of rules and permissions.</a:t>
             </a:r>
-            <a:endParaRPr lang="en-US" altLang="en-GB"/>
+            <a:endParaRPr lang="en-US" altLang="en-GB">
+              <a:sym typeface="+mn-ea"/>
+            </a:endParaRPr>
           </a:p>
           <a:p>
             <a:pPr marL="342900" lvl="0" indent="-342900" algn="l" rtl="0">
@@ -26294,10 +25930,14 @@
               </a:spcAft>
             </a:pPr>
             <a:r>
-              <a:rPr lang="en-US" altLang="en-GB"/>
-              <a:t>Example: Displaying an uploaded image:</a:t>
+              <a:rPr lang="en-US" altLang="en-GB">
+                <a:sym typeface="+mn-ea"/>
+              </a:rPr>
+              <a:t>Files can be public (accessible by anyone) or private (restricted access).</a:t>
             </a:r>
-            <a:endParaRPr lang="en-US" altLang="en-GB"/>
+            <a:endParaRPr lang="en-US" altLang="en-GB">
+              <a:sym typeface="+mn-ea"/>
+            </a:endParaRPr>
           </a:p>
         </p:txBody>
       </p:sp>
@@ -26343,85 +25983,6 @@
             <a:r>
               <a:rPr lang="en-US"/>
               <a:t>joeshwoa.george@gmail.com</a:t>
-            </a:r>
-            <a:endParaRPr lang="en-US"/>
-          </a:p>
-        </p:txBody>
-      </p:sp>
-      <p:sp>
-        <p:nvSpPr>
-          <p:cNvPr id="6" name="Rounded Rectangle 5"/>
-          <p:cNvSpPr/>
-          <p:nvPr/>
-        </p:nvSpPr>
-        <p:spPr>
-          <a:xfrm>
-            <a:off x="2372995" y="4761865"/>
-            <a:ext cx="6908800" cy="1750060"/>
-          </a:xfrm>
-          <a:prstGeom prst="roundRect">
-            <a:avLst/>
-          </a:prstGeom>
-          <a:solidFill>
-            <a:schemeClr val="bg2"/>
-          </a:solidFill>
-          <a:ln>
-            <a:solidFill>
-              <a:schemeClr val="bg2"/>
-            </a:solidFill>
-          </a:ln>
-        </p:spPr>
-        <p:style>
-          <a:lnRef idx="2">
-            <a:schemeClr val="accent1">
-              <a:lumMod val="75000"/>
-            </a:schemeClr>
-          </a:lnRef>
-          <a:fillRef idx="1">
-            <a:schemeClr val="accent1"/>
-          </a:fillRef>
-          <a:effectRef idx="0">
-            <a:srgbClr val="FFFFFF"/>
-          </a:effectRef>
-          <a:fontRef idx="minor">
-            <a:schemeClr val="lt1"/>
-          </a:fontRef>
-        </p:style>
-        <p:txBody>
-          <a:bodyPr rtlCol="0" anchor="ctr"/>
-          <a:p>
-            <a:pPr algn="l"/>
-            <a:r>
-              <a:rPr lang="en-US"/>
-              <a:t>const { data } = supabase.storage</a:t>
-            </a:r>
-            <a:endParaRPr lang="en-US"/>
-          </a:p>
-          <a:p>
-            <a:pPr algn="l"/>
-            <a:r>
-              <a:rPr lang="en-US"/>
-              <a:t>  .from('your-bucket')</a:t>
-            </a:r>
-            <a:endParaRPr lang="en-US"/>
-          </a:p>
-          <a:p>
-            <a:pPr algn="l"/>
-            <a:r>
-              <a:rPr lang="en-US"/>
-              <a:t>  .getPublicUrl('uploads/profile.jpg');</a:t>
-            </a:r>
-            <a:endParaRPr lang="en-US"/>
-          </a:p>
-          <a:p>
-            <a:pPr algn="l"/>
-            <a:endParaRPr lang="en-US"/>
-          </a:p>
-          <a:p>
-            <a:pPr algn="l"/>
-            <a:r>
-              <a:rPr lang="en-US"/>
-              <a:t>document.getElementById('image').src = data.publicUrl;</a:t>
             </a:r>
             <a:endParaRPr lang="en-US"/>
           </a:p>

--- a/Mastering Supabase Session8.pptx
+++ b/Mastering Supabase Session8.pptx
@@ -60,10 +60,6 @@
     <p:embeddedFont>
       <p:font typeface="Homemade Apple" panose="02000000000000000000"/>
       <p:regular r:id="rId43"/>
-    </p:embeddedFont>
-    <p:embeddedFont>
-      <p:font typeface="Aldhabi" panose="01000000000000000000" charset="0"/>
-      <p:regular r:id="rId44"/>
     </p:embeddedFont>
   </p:embeddedFontLst>
   <p:defaultTextStyle>
@@ -20320,7 +20316,7 @@
           <a:p>
             <a:pPr lvl="0" algn="ctr"/>
             <a:r>
-              <a:rPr b="1" i="0">
+              <a:rPr b="1">
                 <a:ln w="28575" cap="flat" cmpd="sng">
                   <a:solidFill>
                     <a:schemeClr val="dk1"/>
@@ -20332,11 +20328,12 @@
                 </a:ln>
                 <a:noFill/>
                 <a:latin typeface="Calistoga"/>
+                <a:sym typeface="+mn-ea"/>
               </a:rPr>
               <a:t>0</a:t>
             </a:r>
             <a:r>
-              <a:rPr lang="ar-EG" b="1" i="0">
+              <a:rPr lang="en-US" b="1">
                 <a:ln w="28575" cap="flat" cmpd="sng">
                   <a:solidFill>
                     <a:schemeClr val="dk1"/>
@@ -20348,6 +20345,7 @@
                 </a:ln>
                 <a:noFill/>
                 <a:latin typeface="Calistoga"/>
+                <a:sym typeface="+mn-ea"/>
               </a:rPr>
               <a:t>4</a:t>
             </a:r>
@@ -23667,6 +23665,11 @@
             <a:r>
               <a:t>Uploading Files via Supabase Dashboard</a:t>
             </a:r>
+            <a:r>
+              <a:rPr lang="en-US"/>
+              <a:t>.</a:t>
+            </a:r>
+            <a:endParaRPr lang="en-US"/>
           </a:p>
         </p:txBody>
       </p:sp>
@@ -23947,6 +23950,10 @@
             </a:r>
             <a:r>
               <a:t>Files</a:t>
+            </a:r>
+            <a:r>
+              <a:rPr lang="en-US"/>
+              <a:t>.</a:t>
             </a:r>
             <a:endParaRPr lang="en-US"/>
           </a:p>
